--- a/doc/答辩.pptx
+++ b/doc/答辩.pptx
@@ -5,24 +5,29 @@
     <p:sldMasterId id="2147483648" r:id="rId1"/>
   </p:sldMasterIdLst>
   <p:notesMasterIdLst>
-    <p:notesMasterId r:id="rId17"/>
+    <p:notesMasterId r:id="rId22"/>
   </p:notesMasterIdLst>
   <p:sldIdLst>
-    <p:sldId id="256" r:id="rId2"/>
+    <p:sldId id="281" r:id="rId2"/>
     <p:sldId id="258" r:id="rId3"/>
     <p:sldId id="257" r:id="rId4"/>
-    <p:sldId id="259" r:id="rId5"/>
-    <p:sldId id="271" r:id="rId6"/>
-    <p:sldId id="260" r:id="rId7"/>
-    <p:sldId id="261" r:id="rId8"/>
-    <p:sldId id="262" r:id="rId9"/>
-    <p:sldId id="263" r:id="rId10"/>
-    <p:sldId id="264" r:id="rId11"/>
-    <p:sldId id="265" r:id="rId12"/>
-    <p:sldId id="266" r:id="rId13"/>
-    <p:sldId id="267" r:id="rId14"/>
-    <p:sldId id="269" r:id="rId15"/>
-    <p:sldId id="272" r:id="rId16"/>
+    <p:sldId id="276" r:id="rId5"/>
+    <p:sldId id="259" r:id="rId6"/>
+    <p:sldId id="271" r:id="rId7"/>
+    <p:sldId id="260" r:id="rId8"/>
+    <p:sldId id="261" r:id="rId9"/>
+    <p:sldId id="262" r:id="rId10"/>
+    <p:sldId id="263" r:id="rId11"/>
+    <p:sldId id="264" r:id="rId12"/>
+    <p:sldId id="265" r:id="rId13"/>
+    <p:sldId id="266" r:id="rId14"/>
+    <p:sldId id="267" r:id="rId15"/>
+    <p:sldId id="273" r:id="rId16"/>
+    <p:sldId id="274" r:id="rId17"/>
+    <p:sldId id="277" r:id="rId18"/>
+    <p:sldId id="278" r:id="rId19"/>
+    <p:sldId id="279" r:id="rId20"/>
+    <p:sldId id="321" r:id="rId21"/>
   </p:sldIdLst>
   <p:sldSz cx="12192000" cy="6858000"/>
   <p:notesSz cx="6858000" cy="9144000"/>
@@ -121,6 +126,11 @@
       </a:defRPr>
     </a:lvl9pPr>
   </p:defaultTextStyle>
+  <p:extLst>
+    <p:ext uri="{EFAFB233-063F-42B5-8137-9DF3F51BA10A}">
+      <p15:sldGuideLst xmlns:p15="http://schemas.microsoft.com/office/powerpoint/2012/main"/>
+    </p:ext>
+  </p:extLst>
 </p:presentation>
 </file>
 
@@ -538,7 +548,7 @@
           <a:p>
             <a:fld id="{C4C82046-4235-42FD-B5A9-5F455AFF428B}" type="slidenum">
               <a:rPr lang="zh-CN" altLang="en-US" smtClean="0"/>
-              <a:t>5</a:t>
+              <a:t>6</a:t>
             </a:fld>
             <a:endParaRPr lang="zh-CN" altLang="en-US"/>
           </a:p>
@@ -1174,6 +1184,36 @@
     <p:extLst>
       <p:ext uri="{BB962C8B-B14F-4D97-AF65-F5344CB8AC3E}">
         <p14:creationId xmlns:p14="http://schemas.microsoft.com/office/powerpoint/2010/main" val="546203884"/>
+      </p:ext>
+    </p:extLst>
+  </p:cSld>
+  <p:clrMapOvr>
+    <a:masterClrMapping/>
+  </p:clrMapOvr>
+</p:sldLayout>
+</file>
+
+<file path=ppt/slideLayouts/slideLayout12.xml><?xml version="1.0" encoding="utf-8"?>
+<p:sldLayout xmlns:a="http://schemas.openxmlformats.org/drawingml/2006/main" xmlns:r="http://schemas.openxmlformats.org/officeDocument/2006/relationships" xmlns:p="http://schemas.openxmlformats.org/presentationml/2006/main" userDrawn="1">
+  <p:cSld name="1_标题幻灯片">
+    <p:spTree>
+      <p:nvGrpSpPr>
+        <p:cNvPr id="1" name=""/>
+        <p:cNvGrpSpPr/>
+        <p:nvPr/>
+      </p:nvGrpSpPr>
+      <p:grpSpPr>
+        <a:xfrm>
+          <a:off x="0" y="0"/>
+          <a:ext cx="0" cy="0"/>
+          <a:chOff x="0" y="0"/>
+          <a:chExt cx="0" cy="0"/>
+        </a:xfrm>
+      </p:grpSpPr>
+    </p:spTree>
+    <p:extLst>
+      <p:ext uri="{BB962C8B-B14F-4D97-AF65-F5344CB8AC3E}">
+        <p14:creationId xmlns:p14="http://schemas.microsoft.com/office/powerpoint/2010/main" val="3818893713"/>
       </p:ext>
     </p:extLst>
   </p:cSld>
@@ -3190,9 +3230,18 @@
 <p:sldMaster xmlns:a="http://schemas.openxmlformats.org/drawingml/2006/main" xmlns:r="http://schemas.openxmlformats.org/officeDocument/2006/relationships" xmlns:p="http://schemas.openxmlformats.org/presentationml/2006/main">
   <p:cSld>
     <p:bg>
-      <p:bgRef idx="1001">
-        <a:schemeClr val="bg1"/>
-      </p:bgRef>
+      <p:bgPr>
+        <a:blipFill dpi="0" rotWithShape="1">
+          <a:blip r:embed="rId14">
+            <a:lum/>
+          </a:blip>
+          <a:srcRect/>
+          <a:stretch>
+            <a:fillRect l="-6000" r="-6000"/>
+          </a:stretch>
+        </a:blipFill>
+        <a:effectLst/>
+      </p:bgPr>
     </p:bg>
     <p:spTree>
       <p:nvGrpSpPr>
@@ -3470,6 +3519,7 @@
     <p:sldLayoutId id="2147483657" r:id="rId9"/>
     <p:sldLayoutId id="2147483658" r:id="rId10"/>
     <p:sldLayoutId id="2147483659" r:id="rId11"/>
+    <p:sldLayoutId id="2147483660" r:id="rId12"/>
   </p:sldLayoutIdLst>
   <p:txStyles>
     <p:titleStyle>
@@ -3773,10 +3823,667 @@
       </p:grpSpPr>
       <p:sp>
         <p:nvSpPr>
+          <p:cNvPr id="2" name="矩形 1"/>
+          <p:cNvSpPr/>
+          <p:nvPr/>
+        </p:nvSpPr>
+        <p:spPr>
+          <a:xfrm>
+            <a:off x="0" y="1651428"/>
+            <a:ext cx="12192000" cy="3555144"/>
+          </a:xfrm>
+          <a:prstGeom prst="rect">
+            <a:avLst/>
+          </a:prstGeom>
+          <a:ln>
+            <a:noFill/>
+          </a:ln>
+        </p:spPr>
+        <p:style>
+          <a:lnRef idx="2">
+            <a:schemeClr val="accent1">
+              <a:shade val="50000"/>
+            </a:schemeClr>
+          </a:lnRef>
+          <a:fillRef idx="1">
+            <a:schemeClr val="accent1"/>
+          </a:fillRef>
+          <a:effectRef idx="0">
+            <a:schemeClr val="accent1"/>
+          </a:effectRef>
+          <a:fontRef idx="minor">
+            <a:schemeClr val="lt1"/>
+          </a:fontRef>
+        </p:style>
+        <p:txBody>
+          <a:bodyPr rtlCol="0" anchor="ctr"/>
+          <a:lstStyle/>
+          <a:p>
+            <a:pPr algn="ctr"/>
+            <a:endParaRPr lang="zh-CN" altLang="en-US" sz="2400">
+              <a:latin typeface="思源黑体" panose="020B0500000000000000" pitchFamily="34" charset="-122"/>
+              <a:ea typeface="思源黑体" panose="020B0500000000000000" pitchFamily="34" charset="-122"/>
+              <a:sym typeface="思源黑体" panose="020B0500000000000000" pitchFamily="34" charset="-122"/>
+            </a:endParaRPr>
+          </a:p>
+        </p:txBody>
+      </p:sp>
+      <p:sp>
+        <p:nvSpPr>
+          <p:cNvPr id="45" name="矩形 44"/>
+          <p:cNvSpPr/>
+          <p:nvPr/>
+        </p:nvSpPr>
+        <p:spPr bwMode="auto">
+          <a:xfrm>
+            <a:off x="2051256" y="2961310"/>
+            <a:ext cx="8186857" cy="830997"/>
+          </a:xfrm>
+          <a:prstGeom prst="rect">
+            <a:avLst/>
+          </a:prstGeom>
+        </p:spPr>
+        <p:txBody>
+          <a:bodyPr wrap="none">
+            <a:spAutoFit/>
+          </a:bodyPr>
+          <a:lstStyle/>
+          <a:p>
+            <a:pPr algn="ctr">
+              <a:defRPr/>
+            </a:pPr>
+            <a:r>
+              <a:rPr lang="zh-CN" altLang="en-US" sz="4800" b="1" dirty="0">
+                <a:solidFill>
+                  <a:schemeClr val="bg1"/>
+                </a:solidFill>
+                <a:latin typeface="微软雅黑" panose="020B0503020204020204" pitchFamily="34" charset="-122"/>
+                <a:ea typeface="微软雅黑" panose="020B0503020204020204" pitchFamily="34" charset="-122"/>
+              </a:rPr>
+              <a:t>二手商品交易平台数据库系统</a:t>
+            </a:r>
+            <a:endParaRPr lang="zh-CN" altLang="en-US" sz="4800" b="1" kern="100" dirty="0">
+              <a:solidFill>
+                <a:schemeClr val="bg1"/>
+              </a:solidFill>
+              <a:latin typeface="思源黑体" panose="020B0500000000000000" pitchFamily="34" charset="-122"/>
+              <a:ea typeface="思源黑体" panose="020B0500000000000000" pitchFamily="34" charset="-122"/>
+              <a:cs typeface="Times New Roman" panose="02020603050405020304" pitchFamily="18" charset="0"/>
+              <a:sym typeface="思源黑体" panose="020B0500000000000000" pitchFamily="34" charset="-122"/>
+            </a:endParaRPr>
+          </a:p>
+        </p:txBody>
+      </p:sp>
+      <p:sp>
+        <p:nvSpPr>
+          <p:cNvPr id="52" name="矩形 51"/>
+          <p:cNvSpPr/>
+          <p:nvPr/>
+        </p:nvSpPr>
+        <p:spPr>
+          <a:xfrm>
+            <a:off x="2240425" y="4092455"/>
+            <a:ext cx="7808517" cy="584775"/>
+          </a:xfrm>
+          <a:prstGeom prst="rect">
+            <a:avLst/>
+          </a:prstGeom>
+        </p:spPr>
+        <p:txBody>
+          <a:bodyPr wrap="square">
+            <a:spAutoFit/>
+          </a:bodyPr>
+          <a:lstStyle/>
+          <a:p>
+            <a:pPr lvl="0" algn="ctr"/>
+            <a:r>
+              <a:rPr lang="en-US" altLang="zh-CN" sz="3200" dirty="0">
+                <a:solidFill>
+                  <a:schemeClr val="bg1"/>
+                </a:solidFill>
+                <a:latin typeface="微软雅黑" panose="020B0503020204020204" pitchFamily="34" charset="-122"/>
+                <a:ea typeface="微软雅黑" panose="020B0503020204020204" pitchFamily="34" charset="-122"/>
+              </a:rPr>
+              <a:t>23373526-</a:t>
+            </a:r>
+            <a:r>
+              <a:rPr lang="zh-CN" altLang="en-US" sz="3200" dirty="0">
+                <a:solidFill>
+                  <a:schemeClr val="bg1"/>
+                </a:solidFill>
+                <a:latin typeface="微软雅黑" panose="020B0503020204020204" pitchFamily="34" charset="-122"/>
+                <a:ea typeface="微软雅黑" panose="020B0503020204020204" pitchFamily="34" charset="-122"/>
+              </a:rPr>
+              <a:t>华家璇  </a:t>
+            </a:r>
+            <a:r>
+              <a:rPr lang="en-US" altLang="zh-CN" sz="3200" dirty="0">
+                <a:solidFill>
+                  <a:schemeClr val="bg1"/>
+                </a:solidFill>
+                <a:latin typeface="微软雅黑" panose="020B0503020204020204" pitchFamily="34" charset="-122"/>
+                <a:ea typeface="微软雅黑" panose="020B0503020204020204" pitchFamily="34" charset="-122"/>
+              </a:rPr>
+              <a:t>23371131-</a:t>
+            </a:r>
+            <a:r>
+              <a:rPr lang="zh-CN" altLang="en-US" sz="3200" dirty="0">
+                <a:solidFill>
+                  <a:schemeClr val="bg1"/>
+                </a:solidFill>
+                <a:latin typeface="微软雅黑" panose="020B0503020204020204" pitchFamily="34" charset="-122"/>
+                <a:ea typeface="微软雅黑" panose="020B0503020204020204" pitchFamily="34" charset="-122"/>
+              </a:rPr>
+              <a:t>王宇博</a:t>
+            </a:r>
+            <a:endParaRPr lang="en-US" altLang="zh-CN" sz="3200" dirty="0">
+              <a:solidFill>
+                <a:schemeClr val="bg1"/>
+              </a:solidFill>
+              <a:latin typeface="微软雅黑" panose="020B0503020204020204" pitchFamily="34" charset="-122"/>
+              <a:ea typeface="微软雅黑" panose="020B0503020204020204" pitchFamily="34" charset="-122"/>
+              <a:sym typeface="思源黑体" panose="020B0500000000000000" pitchFamily="34" charset="-122"/>
+            </a:endParaRPr>
+          </a:p>
+        </p:txBody>
+      </p:sp>
+      <p:sp>
+        <p:nvSpPr>
+          <p:cNvPr id="37" name="椭圆 36"/>
+          <p:cNvSpPr/>
+          <p:nvPr/>
+        </p:nvSpPr>
+        <p:spPr>
+          <a:xfrm>
+            <a:off x="5180857" y="786474"/>
+            <a:ext cx="1927655" cy="1927655"/>
+          </a:xfrm>
+          <a:prstGeom prst="ellipse">
+            <a:avLst/>
+          </a:prstGeom>
+          <a:solidFill>
+            <a:schemeClr val="accent1"/>
+          </a:solidFill>
+          <a:ln w="57150">
+            <a:solidFill>
+              <a:srgbClr val="F8F8F9"/>
+            </a:solidFill>
+          </a:ln>
+          <a:effectLst>
+            <a:outerShdw blurRad="101600" dist="101600" dir="5400000" algn="t" rotWithShape="0">
+              <a:prstClr val="black">
+                <a:alpha val="40000"/>
+              </a:prstClr>
+            </a:outerShdw>
+          </a:effectLst>
+        </p:spPr>
+        <p:style>
+          <a:lnRef idx="2">
+            <a:schemeClr val="accent1">
+              <a:shade val="50000"/>
+            </a:schemeClr>
+          </a:lnRef>
+          <a:fillRef idx="1">
+            <a:schemeClr val="accent1"/>
+          </a:fillRef>
+          <a:effectRef idx="0">
+            <a:schemeClr val="accent1"/>
+          </a:effectRef>
+          <a:fontRef idx="minor">
+            <a:schemeClr val="lt1"/>
+          </a:fontRef>
+        </p:style>
+        <p:txBody>
+          <a:bodyPr rot="0" spcFirstLastPara="0" vertOverflow="overflow" horzOverflow="overflow" vert="horz" wrap="square" lIns="121920" tIns="60960" rIns="121920" bIns="60960" numCol="1" spcCol="0" rtlCol="0" fromWordArt="0" anchor="ctr" anchorCtr="0" forceAA="0" compatLnSpc="1">
+            <a:noAutofit/>
+          </a:bodyPr>
+          <a:lstStyle/>
+          <a:p>
+            <a:pPr algn="ctr"/>
+            <a:endParaRPr lang="zh-CN" altLang="en-US" sz="2400">
+              <a:latin typeface="思源黑体" panose="020B0500000000000000" pitchFamily="34" charset="-122"/>
+              <a:ea typeface="思源黑体" panose="020B0500000000000000" pitchFamily="34" charset="-122"/>
+              <a:sym typeface="思源黑体" panose="020B0500000000000000" pitchFamily="34" charset="-122"/>
+            </a:endParaRPr>
+          </a:p>
+        </p:txBody>
+      </p:sp>
+      <p:sp>
+        <p:nvSpPr>
+          <p:cNvPr id="44" name="medal-of-award_49824"/>
+          <p:cNvSpPr>
+            <a:spLocks noChangeAspect="1"/>
+          </p:cNvSpPr>
+          <p:nvPr/>
+        </p:nvSpPr>
+        <p:spPr bwMode="auto">
+          <a:xfrm>
+            <a:off x="5420035" y="1351280"/>
+            <a:ext cx="1473851" cy="854141"/>
+          </a:xfrm>
+          <a:custGeom>
+            <a:avLst/>
+            <a:gdLst>
+              <a:gd name="connsiteX0" fmla="*/ 104550 w 604718"/>
+              <a:gd name="connsiteY0" fmla="*/ 208330 h 382112"/>
+              <a:gd name="connsiteX1" fmla="*/ 156180 w 604718"/>
+              <a:gd name="connsiteY1" fmla="*/ 208330 h 382112"/>
+              <a:gd name="connsiteX2" fmla="*/ 261642 w 604718"/>
+              <a:gd name="connsiteY2" fmla="*/ 248878 h 382112"/>
+              <a:gd name="connsiteX3" fmla="*/ 298947 w 604718"/>
+              <a:gd name="connsiteY3" fmla="*/ 255007 h 382112"/>
+              <a:gd name="connsiteX4" fmla="*/ 340187 w 604718"/>
+              <a:gd name="connsiteY4" fmla="*/ 247621 h 382112"/>
+              <a:gd name="connsiteX5" fmla="*/ 433687 w 604718"/>
+              <a:gd name="connsiteY5" fmla="*/ 208330 h 382112"/>
+              <a:gd name="connsiteX6" fmla="*/ 490825 w 604718"/>
+              <a:gd name="connsiteY6" fmla="*/ 208330 h 382112"/>
+              <a:gd name="connsiteX7" fmla="*/ 490825 w 604718"/>
+              <a:gd name="connsiteY7" fmla="*/ 271509 h 382112"/>
+              <a:gd name="connsiteX8" fmla="*/ 458400 w 604718"/>
+              <a:gd name="connsiteY8" fmla="*/ 320701 h 382112"/>
+              <a:gd name="connsiteX9" fmla="*/ 329326 w 604718"/>
+              <a:gd name="connsiteY9" fmla="*/ 376337 h 382112"/>
+              <a:gd name="connsiteX10" fmla="*/ 264632 w 604718"/>
+              <a:gd name="connsiteY10" fmla="*/ 376337 h 382112"/>
+              <a:gd name="connsiteX11" fmla="*/ 136819 w 604718"/>
+              <a:gd name="connsiteY11" fmla="*/ 320701 h 382112"/>
+              <a:gd name="connsiteX12" fmla="*/ 104550 w 604718"/>
+              <a:gd name="connsiteY12" fmla="*/ 271509 h 382112"/>
+              <a:gd name="connsiteX13" fmla="*/ 300973 w 604718"/>
+              <a:gd name="connsiteY13" fmla="*/ 5 h 382112"/>
+              <a:gd name="connsiteX14" fmla="*/ 334162 w 604718"/>
+              <a:gd name="connsiteY14" fmla="*/ 4701 h 382112"/>
+              <a:gd name="connsiteX15" fmla="*/ 581267 w 604718"/>
+              <a:gd name="connsiteY15" fmla="*/ 92552 h 382112"/>
+              <a:gd name="connsiteX16" fmla="*/ 588822 w 604718"/>
+              <a:gd name="connsiteY16" fmla="*/ 114398 h 382112"/>
+              <a:gd name="connsiteX17" fmla="*/ 589136 w 604718"/>
+              <a:gd name="connsiteY17" fmla="*/ 114398 h 382112"/>
+              <a:gd name="connsiteX18" fmla="*/ 589136 w 604718"/>
+              <a:gd name="connsiteY18" fmla="*/ 270771 h 382112"/>
+              <a:gd name="connsiteX19" fmla="*/ 604718 w 604718"/>
+              <a:gd name="connsiteY19" fmla="*/ 321376 h 382112"/>
+              <a:gd name="connsiteX20" fmla="*/ 561278 w 604718"/>
+              <a:gd name="connsiteY20" fmla="*/ 321376 h 382112"/>
+              <a:gd name="connsiteX21" fmla="*/ 576388 w 604718"/>
+              <a:gd name="connsiteY21" fmla="*/ 271242 h 382112"/>
+              <a:gd name="connsiteX22" fmla="*/ 576388 w 604718"/>
+              <a:gd name="connsiteY22" fmla="*/ 120370 h 382112"/>
+              <a:gd name="connsiteX23" fmla="*/ 333376 w 604718"/>
+              <a:gd name="connsiteY23" fmla="*/ 222680 h 382112"/>
+              <a:gd name="connsiteX24" fmla="*/ 268058 w 604718"/>
+              <a:gd name="connsiteY24" fmla="*/ 223780 h 382112"/>
+              <a:gd name="connsiteX25" fmla="*/ 13556 w 604718"/>
+              <a:gd name="connsiteY25" fmla="*/ 125870 h 382112"/>
+              <a:gd name="connsiteX26" fmla="*/ 13714 w 604718"/>
+              <a:gd name="connsiteY26" fmla="*/ 100882 h 382112"/>
+              <a:gd name="connsiteX27" fmla="*/ 267901 w 604718"/>
+              <a:gd name="connsiteY27" fmla="*/ 5329 h 382112"/>
+              <a:gd name="connsiteX28" fmla="*/ 300973 w 604718"/>
+              <a:gd name="connsiteY28" fmla="*/ 5 h 382112"/>
+            </a:gdLst>
+            <a:ahLst/>
+            <a:cxnLst>
+              <a:cxn ang="0">
+                <a:pos x="connsiteX0" y="connsiteY0"/>
+              </a:cxn>
+              <a:cxn ang="0">
+                <a:pos x="connsiteX1" y="connsiteY1"/>
+              </a:cxn>
+              <a:cxn ang="0">
+                <a:pos x="connsiteX2" y="connsiteY2"/>
+              </a:cxn>
+              <a:cxn ang="0">
+                <a:pos x="connsiteX3" y="connsiteY3"/>
+              </a:cxn>
+              <a:cxn ang="0">
+                <a:pos x="connsiteX4" y="connsiteY4"/>
+              </a:cxn>
+              <a:cxn ang="0">
+                <a:pos x="connsiteX5" y="connsiteY5"/>
+              </a:cxn>
+              <a:cxn ang="0">
+                <a:pos x="connsiteX6" y="connsiteY6"/>
+              </a:cxn>
+              <a:cxn ang="0">
+                <a:pos x="connsiteX7" y="connsiteY7"/>
+              </a:cxn>
+              <a:cxn ang="0">
+                <a:pos x="connsiteX8" y="connsiteY8"/>
+              </a:cxn>
+              <a:cxn ang="0">
+                <a:pos x="connsiteX9" y="connsiteY9"/>
+              </a:cxn>
+              <a:cxn ang="0">
+                <a:pos x="connsiteX10" y="connsiteY10"/>
+              </a:cxn>
+              <a:cxn ang="0">
+                <a:pos x="connsiteX11" y="connsiteY11"/>
+              </a:cxn>
+              <a:cxn ang="0">
+                <a:pos x="connsiteX12" y="connsiteY12"/>
+              </a:cxn>
+              <a:cxn ang="0">
+                <a:pos x="connsiteX13" y="connsiteY13"/>
+              </a:cxn>
+              <a:cxn ang="0">
+                <a:pos x="connsiteX14" y="connsiteY14"/>
+              </a:cxn>
+              <a:cxn ang="0">
+                <a:pos x="connsiteX15" y="connsiteY15"/>
+              </a:cxn>
+              <a:cxn ang="0">
+                <a:pos x="connsiteX16" y="connsiteY16"/>
+              </a:cxn>
+              <a:cxn ang="0">
+                <a:pos x="connsiteX17" y="connsiteY17"/>
+              </a:cxn>
+              <a:cxn ang="0">
+                <a:pos x="connsiteX18" y="connsiteY18"/>
+              </a:cxn>
+              <a:cxn ang="0">
+                <a:pos x="connsiteX19" y="connsiteY19"/>
+              </a:cxn>
+              <a:cxn ang="0">
+                <a:pos x="connsiteX20" y="connsiteY20"/>
+              </a:cxn>
+              <a:cxn ang="0">
+                <a:pos x="connsiteX21" y="connsiteY21"/>
+              </a:cxn>
+              <a:cxn ang="0">
+                <a:pos x="connsiteX22" y="connsiteY22"/>
+              </a:cxn>
+              <a:cxn ang="0">
+                <a:pos x="connsiteX23" y="connsiteY23"/>
+              </a:cxn>
+              <a:cxn ang="0">
+                <a:pos x="connsiteX24" y="connsiteY24"/>
+              </a:cxn>
+              <a:cxn ang="0">
+                <a:pos x="connsiteX25" y="connsiteY25"/>
+              </a:cxn>
+              <a:cxn ang="0">
+                <a:pos x="connsiteX26" y="connsiteY26"/>
+              </a:cxn>
+              <a:cxn ang="0">
+                <a:pos x="connsiteX27" y="connsiteY27"/>
+              </a:cxn>
+              <a:cxn ang="0">
+                <a:pos x="connsiteX28" y="connsiteY28"/>
+              </a:cxn>
+            </a:cxnLst>
+            <a:rect l="l" t="t" r="r" b="b"/>
+            <a:pathLst>
+              <a:path w="604718" h="382112">
+                <a:moveTo>
+                  <a:pt x="104550" y="208330"/>
+                </a:moveTo>
+                <a:lnTo>
+                  <a:pt x="156180" y="208330"/>
+                </a:lnTo>
+                <a:lnTo>
+                  <a:pt x="261642" y="248878"/>
+                </a:lnTo>
+                <a:cubicBezTo>
+                  <a:pt x="274864" y="253907"/>
+                  <a:pt x="289188" y="255007"/>
+                  <a:pt x="298947" y="255007"/>
+                </a:cubicBezTo>
+                <a:cubicBezTo>
+                  <a:pt x="314373" y="255007"/>
+                  <a:pt x="329012" y="252493"/>
+                  <a:pt x="340187" y="247621"/>
+                </a:cubicBezTo>
+                <a:lnTo>
+                  <a:pt x="433687" y="208330"/>
+                </a:lnTo>
+                <a:lnTo>
+                  <a:pt x="490825" y="208330"/>
+                </a:lnTo>
+                <a:lnTo>
+                  <a:pt x="490825" y="271509"/>
+                </a:lnTo>
+                <a:cubicBezTo>
+                  <a:pt x="490825" y="290998"/>
+                  <a:pt x="476344" y="313000"/>
+                  <a:pt x="458400" y="320701"/>
+                </a:cubicBezTo>
+                <a:lnTo>
+                  <a:pt x="329326" y="376337"/>
+                </a:lnTo>
+                <a:cubicBezTo>
+                  <a:pt x="311382" y="384038"/>
+                  <a:pt x="282419" y="384038"/>
+                  <a:pt x="264632" y="376337"/>
+                </a:cubicBezTo>
+                <a:lnTo>
+                  <a:pt x="136819" y="320701"/>
+                </a:lnTo>
+                <a:cubicBezTo>
+                  <a:pt x="119032" y="313000"/>
+                  <a:pt x="104550" y="290998"/>
+                  <a:pt x="104550" y="271509"/>
+                </a:cubicBezTo>
+                <a:close/>
+                <a:moveTo>
+                  <a:pt x="300973" y="5"/>
+                </a:moveTo>
+                <a:cubicBezTo>
+                  <a:pt x="312954" y="-93"/>
+                  <a:pt x="324955" y="1479"/>
+                  <a:pt x="334162" y="4701"/>
+                </a:cubicBezTo>
+                <a:lnTo>
+                  <a:pt x="581267" y="92552"/>
+                </a:lnTo>
+                <a:cubicBezTo>
+                  <a:pt x="596849" y="98053"/>
+                  <a:pt x="599210" y="107168"/>
+                  <a:pt x="588822" y="114398"/>
+                </a:cubicBezTo>
+                <a:lnTo>
+                  <a:pt x="589136" y="114398"/>
+                </a:lnTo>
+                <a:lnTo>
+                  <a:pt x="589136" y="270771"/>
+                </a:lnTo>
+                <a:lnTo>
+                  <a:pt x="604718" y="321376"/>
+                </a:lnTo>
+                <a:lnTo>
+                  <a:pt x="561278" y="321376"/>
+                </a:lnTo>
+                <a:lnTo>
+                  <a:pt x="576388" y="271242"/>
+                </a:lnTo>
+                <a:lnTo>
+                  <a:pt x="576388" y="120370"/>
+                </a:lnTo>
+                <a:lnTo>
+                  <a:pt x="333376" y="222680"/>
+                </a:lnTo>
+                <a:cubicBezTo>
+                  <a:pt x="315433" y="230224"/>
+                  <a:pt x="286158" y="230695"/>
+                  <a:pt x="268058" y="223780"/>
+                </a:cubicBezTo>
+                <a:lnTo>
+                  <a:pt x="13556" y="125870"/>
+                </a:lnTo>
+                <a:cubicBezTo>
+                  <a:pt x="-4544" y="118798"/>
+                  <a:pt x="-4544" y="107640"/>
+                  <a:pt x="13714" y="100882"/>
+                </a:cubicBezTo>
+                <a:lnTo>
+                  <a:pt x="267901" y="5329"/>
+                </a:lnTo>
+                <a:cubicBezTo>
+                  <a:pt x="277030" y="1872"/>
+                  <a:pt x="288991" y="104"/>
+                  <a:pt x="300973" y="5"/>
+                </a:cubicBezTo>
+                <a:close/>
+              </a:path>
+            </a:pathLst>
+          </a:custGeom>
+          <a:solidFill>
+            <a:schemeClr val="bg1"/>
+          </a:solidFill>
+          <a:ln w="31750">
+            <a:noFill/>
+          </a:ln>
+        </p:spPr>
+        <p:txBody>
+          <a:bodyPr/>
+          <a:lstStyle>
+            <a:defPPr>
+              <a:defRPr lang="zh-CN"/>
+            </a:defPPr>
+            <a:lvl1pPr marL="0" algn="l" defTabSz="914400" rtl="0" eaLnBrk="1" latinLnBrk="0" hangingPunct="1">
+              <a:defRPr sz="1800" kern="1200">
+                <a:solidFill>
+                  <a:schemeClr val="tx1"/>
+                </a:solidFill>
+                <a:latin typeface="+mn-lt"/>
+                <a:ea typeface="+mn-ea"/>
+                <a:cs typeface="+mn-cs"/>
+              </a:defRPr>
+            </a:lvl1pPr>
+            <a:lvl2pPr marL="457200" algn="l" defTabSz="914400" rtl="0" eaLnBrk="1" latinLnBrk="0" hangingPunct="1">
+              <a:defRPr sz="1800" kern="1200">
+                <a:solidFill>
+                  <a:schemeClr val="tx1"/>
+                </a:solidFill>
+                <a:latin typeface="+mn-lt"/>
+                <a:ea typeface="+mn-ea"/>
+                <a:cs typeface="+mn-cs"/>
+              </a:defRPr>
+            </a:lvl2pPr>
+            <a:lvl3pPr marL="914400" algn="l" defTabSz="914400" rtl="0" eaLnBrk="1" latinLnBrk="0" hangingPunct="1">
+              <a:defRPr sz="1800" kern="1200">
+                <a:solidFill>
+                  <a:schemeClr val="tx1"/>
+                </a:solidFill>
+                <a:latin typeface="+mn-lt"/>
+                <a:ea typeface="+mn-ea"/>
+                <a:cs typeface="+mn-cs"/>
+              </a:defRPr>
+            </a:lvl3pPr>
+            <a:lvl4pPr marL="1371600" algn="l" defTabSz="914400" rtl="0" eaLnBrk="1" latinLnBrk="0" hangingPunct="1">
+              <a:defRPr sz="1800" kern="1200">
+                <a:solidFill>
+                  <a:schemeClr val="tx1"/>
+                </a:solidFill>
+                <a:latin typeface="+mn-lt"/>
+                <a:ea typeface="+mn-ea"/>
+                <a:cs typeface="+mn-cs"/>
+              </a:defRPr>
+            </a:lvl4pPr>
+            <a:lvl5pPr marL="1828800" algn="l" defTabSz="914400" rtl="0" eaLnBrk="1" latinLnBrk="0" hangingPunct="1">
+              <a:defRPr sz="1800" kern="1200">
+                <a:solidFill>
+                  <a:schemeClr val="tx1"/>
+                </a:solidFill>
+                <a:latin typeface="+mn-lt"/>
+                <a:ea typeface="+mn-ea"/>
+                <a:cs typeface="+mn-cs"/>
+              </a:defRPr>
+            </a:lvl5pPr>
+            <a:lvl6pPr marL="2286000" algn="l" defTabSz="914400" rtl="0" eaLnBrk="1" latinLnBrk="0" hangingPunct="1">
+              <a:defRPr sz="1800" kern="1200">
+                <a:solidFill>
+                  <a:schemeClr val="tx1"/>
+                </a:solidFill>
+                <a:latin typeface="+mn-lt"/>
+                <a:ea typeface="+mn-ea"/>
+                <a:cs typeface="+mn-cs"/>
+              </a:defRPr>
+            </a:lvl6pPr>
+            <a:lvl7pPr marL="2743200" algn="l" defTabSz="914400" rtl="0" eaLnBrk="1" latinLnBrk="0" hangingPunct="1">
+              <a:defRPr sz="1800" kern="1200">
+                <a:solidFill>
+                  <a:schemeClr val="tx1"/>
+                </a:solidFill>
+                <a:latin typeface="+mn-lt"/>
+                <a:ea typeface="+mn-ea"/>
+                <a:cs typeface="+mn-cs"/>
+              </a:defRPr>
+            </a:lvl7pPr>
+            <a:lvl8pPr marL="3200400" algn="l" defTabSz="914400" rtl="0" eaLnBrk="1" latinLnBrk="0" hangingPunct="1">
+              <a:defRPr sz="1800" kern="1200">
+                <a:solidFill>
+                  <a:schemeClr val="tx1"/>
+                </a:solidFill>
+                <a:latin typeface="+mn-lt"/>
+                <a:ea typeface="+mn-ea"/>
+                <a:cs typeface="+mn-cs"/>
+              </a:defRPr>
+            </a:lvl8pPr>
+            <a:lvl9pPr marL="3657600" algn="l" defTabSz="914400" rtl="0" eaLnBrk="1" latinLnBrk="0" hangingPunct="1">
+              <a:defRPr sz="1800" kern="1200">
+                <a:solidFill>
+                  <a:schemeClr val="tx1"/>
+                </a:solidFill>
+                <a:latin typeface="+mn-lt"/>
+                <a:ea typeface="+mn-ea"/>
+                <a:cs typeface="+mn-cs"/>
+              </a:defRPr>
+            </a:lvl9pPr>
+          </a:lstStyle>
+          <a:p>
+            <a:pPr defTabSz="1219170">
+              <a:defRPr/>
+            </a:pPr>
+            <a:endParaRPr lang="zh-CN" altLang="en-US" sz="2400">
+              <a:solidFill>
+                <a:srgbClr val="30A081"/>
+              </a:solidFill>
+              <a:latin typeface="思源黑体" panose="020B0500000000000000" pitchFamily="34" charset="-122"/>
+              <a:ea typeface="思源黑体" panose="020B0500000000000000" pitchFamily="34" charset="-122"/>
+              <a:sym typeface="思源黑体" panose="020B0500000000000000" pitchFamily="34" charset="-122"/>
+            </a:endParaRPr>
+          </a:p>
+        </p:txBody>
+      </p:sp>
+    </p:spTree>
+  </p:cSld>
+  <p:clrMapOvr>
+    <a:masterClrMapping/>
+  </p:clrMapOvr>
+</p:sld>
+</file>
+
+<file path=ppt/slides/slide10.xml><?xml version="1.0" encoding="utf-8"?>
+<p:sld xmlns:a="http://schemas.openxmlformats.org/drawingml/2006/main" xmlns:r="http://schemas.openxmlformats.org/officeDocument/2006/relationships" xmlns:p="http://schemas.openxmlformats.org/presentationml/2006/main">
+  <p:cSld>
+    <p:spTree>
+      <p:nvGrpSpPr>
+        <p:cNvPr id="1" name="">
+          <a:extLst>
+            <a:ext uri="{FF2B5EF4-FFF2-40B4-BE49-F238E27FC236}">
+              <a16:creationId xmlns:a16="http://schemas.microsoft.com/office/drawing/2014/main" id="{4FB1D8FF-E3E8-6FC0-2EA5-823FD705D6B8}"/>
+            </a:ext>
+          </a:extLst>
+        </p:cNvPr>
+        <p:cNvGrpSpPr/>
+        <p:nvPr/>
+      </p:nvGrpSpPr>
+      <p:grpSpPr>
+        <a:xfrm>
+          <a:off x="0" y="0"/>
+          <a:ext cx="0" cy="0"/>
+          <a:chOff x="0" y="0"/>
+          <a:chExt cx="0" cy="0"/>
+        </a:xfrm>
+      </p:grpSpPr>
+      <p:sp>
+        <p:nvSpPr>
           <p:cNvPr id="2" name="标题 1">
             <a:extLst>
               <a:ext uri="{FF2B5EF4-FFF2-40B4-BE49-F238E27FC236}">
-                <a16:creationId xmlns:a16="http://schemas.microsoft.com/office/drawing/2014/main" id="{AD173B74-ECA8-C47D-37A2-FF1868DFF136}"/>
+                <a16:creationId xmlns:a16="http://schemas.microsoft.com/office/drawing/2014/main" id="{948B0BB2-B15A-053E-A171-BCACCF8BCE3E}"/>
               </a:ext>
             </a:extLst>
           </p:cNvPr>
@@ -3784,77 +4491,99 @@
             <a:spLocks noGrp="1"/>
           </p:cNvSpPr>
           <p:nvPr>
-            <p:ph type="ctrTitle"/>
+            <p:ph type="title"/>
           </p:nvPr>
         </p:nvSpPr>
         <p:spPr/>
         <p:txBody>
           <a:bodyPr>
-            <a:normAutofit fontScale="90000"/>
+            <a:normAutofit/>
           </a:bodyPr>
           <a:lstStyle/>
           <a:p>
-            <a:br>
-              <a:rPr lang="zh-CN" altLang="en-US" dirty="0"/>
-            </a:br>
-            <a:r>
-              <a:rPr lang="zh-CN" altLang="en-US" dirty="0"/>
-              <a:t> 二手商品交易平台数据库系统</a:t>
-            </a:r>
-          </a:p>
-        </p:txBody>
-      </p:sp>
-      <p:sp>
-        <p:nvSpPr>
-          <p:cNvPr id="3" name="副标题 2">
-            <a:extLst>
-              <a:ext uri="{FF2B5EF4-FFF2-40B4-BE49-F238E27FC236}">
-                <a16:creationId xmlns:a16="http://schemas.microsoft.com/office/drawing/2014/main" id="{DAD05ADD-F591-43C3-FF0D-59FC22E14409}"/>
-              </a:ext>
-            </a:extLst>
-          </p:cNvPr>
-          <p:cNvSpPr>
-            <a:spLocks noGrp="1"/>
-          </p:cNvSpPr>
-          <p:nvPr>
-            <p:ph type="subTitle" idx="1"/>
-          </p:nvPr>
-        </p:nvSpPr>
-        <p:spPr/>
-        <p:txBody>
-          <a:bodyPr/>
-          <a:lstStyle/>
-          <a:p>
-            <a:endParaRPr lang="zh-CN" altLang="en-US" dirty="0"/>
-          </a:p>
-          <a:p>
-            <a:r>
-              <a:rPr lang="zh-CN" altLang="en-US" dirty="0"/>
-              <a:t> </a:t>
-            </a:r>
-            <a:r>
-              <a:rPr lang="en-US" altLang="zh-CN" dirty="0"/>
-              <a:t>23373526-</a:t>
-            </a:r>
-            <a:r>
-              <a:rPr lang="zh-CN" altLang="en-US" dirty="0"/>
-              <a:t>华家璇  </a:t>
-            </a:r>
-            <a:r>
-              <a:rPr lang="en-US" altLang="zh-CN" dirty="0"/>
-              <a:t>23371111-</a:t>
-            </a:r>
-            <a:r>
-              <a:rPr lang="zh-CN" altLang="en-US" dirty="0"/>
-              <a:t>王宇博 </a:t>
-            </a:r>
-          </a:p>
-        </p:txBody>
-      </p:sp>
+            <a:r>
+              <a:rPr lang="zh-CN" altLang="en-US" b="1" dirty="0">
+                <a:latin typeface="微软雅黑" panose="020B0503020204020204" pitchFamily="34" charset="-122"/>
+                <a:ea typeface="微软雅黑" panose="020B0503020204020204" pitchFamily="34" charset="-122"/>
+              </a:rPr>
+              <a:t>前端</a:t>
+            </a:r>
+          </a:p>
+        </p:txBody>
+      </p:sp>
+      <p:sp>
+        <p:nvSpPr>
+          <p:cNvPr id="3" name="文本框 2">
+            <a:extLst>
+              <a:ext uri="{FF2B5EF4-FFF2-40B4-BE49-F238E27FC236}">
+                <a16:creationId xmlns:a16="http://schemas.microsoft.com/office/drawing/2014/main" id="{0A7F50B6-908B-95EF-8F58-3235F7E19800}"/>
+              </a:ext>
+            </a:extLst>
+          </p:cNvPr>
+          <p:cNvSpPr txBox="1"/>
+          <p:nvPr/>
+        </p:nvSpPr>
+        <p:spPr>
+          <a:xfrm>
+            <a:off x="838199" y="1690688"/>
+            <a:ext cx="3087757" cy="1200329"/>
+          </a:xfrm>
+          <a:prstGeom prst="rect">
+            <a:avLst/>
+          </a:prstGeom>
+          <a:noFill/>
+        </p:spPr>
+        <p:txBody>
+          <a:bodyPr wrap="square" rtlCol="0">
+            <a:spAutoFit/>
+          </a:bodyPr>
+          <a:lstStyle/>
+          <a:p>
+            <a:r>
+              <a:rPr lang="zh-CN" altLang="en-US" sz="2400" b="1" dirty="0"/>
+              <a:t>商品发布和修改：</a:t>
+            </a:r>
+            <a:r>
+              <a:rPr lang="zh-CN" altLang="en-US" sz="2400" dirty="0"/>
+              <a:t>用户可以在此填写商品信息，上传图片等等</a:t>
+            </a:r>
+          </a:p>
+        </p:txBody>
+      </p:sp>
+      <p:pic>
+        <p:nvPicPr>
+          <p:cNvPr id="6" name="图片 5" descr="图形用户界面, 应用程序&#10;&#10;AI 生成的内容可能不正确。">
+            <a:extLst>
+              <a:ext uri="{FF2B5EF4-FFF2-40B4-BE49-F238E27FC236}">
+                <a16:creationId xmlns:a16="http://schemas.microsoft.com/office/drawing/2014/main" id="{B62DDF55-5DD8-E33D-A80D-F220CB44BFD1}"/>
+              </a:ext>
+            </a:extLst>
+          </p:cNvPr>
+          <p:cNvPicPr>
+            <a:picLocks noChangeAspect="1"/>
+          </p:cNvPicPr>
+          <p:nvPr/>
+        </p:nvPicPr>
+        <p:blipFill>
+          <a:blip r:embed="rId2"/>
+          <a:stretch>
+            <a:fillRect/>
+          </a:stretch>
+        </p:blipFill>
+        <p:spPr>
+          <a:xfrm>
+            <a:off x="5034022" y="398690"/>
+            <a:ext cx="5449251" cy="6200447"/>
+          </a:xfrm>
+          <a:prstGeom prst="rect">
+            <a:avLst/>
+          </a:prstGeom>
+        </p:spPr>
+      </p:pic>
     </p:spTree>
     <p:extLst>
       <p:ext uri="{BB962C8B-B14F-4D97-AF65-F5344CB8AC3E}">
-        <p14:creationId xmlns:p14="http://schemas.microsoft.com/office/powerpoint/2010/main" val="1805414927"/>
+        <p14:creationId xmlns:p14="http://schemas.microsoft.com/office/powerpoint/2010/main" val="1499834704"/>
       </p:ext>
     </p:extLst>
   </p:cSld>
@@ -3864,7 +4593,7 @@
 </p:sld>
 </file>
 
-<file path=ppt/slides/slide10.xml><?xml version="1.0" encoding="utf-8"?>
+<file path=ppt/slides/slide11.xml><?xml version="1.0" encoding="utf-8"?>
 <p:sld xmlns:a="http://schemas.openxmlformats.org/drawingml/2006/main" xmlns:r="http://schemas.openxmlformats.org/officeDocument/2006/relationships" xmlns:p="http://schemas.openxmlformats.org/presentationml/2006/main">
   <p:cSld>
     <p:spTree>
@@ -3905,11 +4634,16 @@
         </p:nvSpPr>
         <p:spPr/>
         <p:txBody>
-          <a:bodyPr/>
-          <a:lstStyle/>
-          <a:p>
-            <a:r>
-              <a:rPr lang="zh-CN" altLang="en-US" dirty="0"/>
+          <a:bodyPr>
+            <a:normAutofit/>
+          </a:bodyPr>
+          <a:lstStyle/>
+          <a:p>
+            <a:r>
+              <a:rPr lang="zh-CN" altLang="en-US" b="1" dirty="0">
+                <a:latin typeface="微软雅黑" panose="020B0503020204020204" pitchFamily="34" charset="-122"/>
+                <a:ea typeface="微软雅黑" panose="020B0503020204020204" pitchFamily="34" charset="-122"/>
+              </a:rPr>
               <a:t>前端</a:t>
             </a:r>
           </a:p>
@@ -3930,7 +4664,7 @@
         <p:spPr>
           <a:xfrm>
             <a:off x="838200" y="1690688"/>
-            <a:ext cx="2654030" cy="646331"/>
+            <a:ext cx="2654030" cy="1200329"/>
           </a:xfrm>
           <a:prstGeom prst="rect">
             <a:avLst/>
@@ -3944,11 +4678,11 @@
           <a:lstStyle/>
           <a:p>
             <a:r>
-              <a:rPr lang="zh-CN" altLang="en-US" b="1" dirty="0"/>
+              <a:rPr lang="zh-CN" altLang="en-US" sz="2400" b="1" dirty="0"/>
               <a:t>商品详情： </a:t>
             </a:r>
             <a:r>
-              <a:rPr lang="zh-CN" altLang="en-US" dirty="0"/>
+              <a:rPr lang="zh-CN" altLang="en-US" sz="2400" dirty="0"/>
               <a:t>用户可以查看商品详情并评论</a:t>
             </a:r>
           </a:p>
@@ -3997,7 +4731,7 @@
 </p:sld>
 </file>
 
-<file path=ppt/slides/slide11.xml><?xml version="1.0" encoding="utf-8"?>
+<file path=ppt/slides/slide12.xml><?xml version="1.0" encoding="utf-8"?>
 <p:sld xmlns:a="http://schemas.openxmlformats.org/drawingml/2006/main" xmlns:r="http://schemas.openxmlformats.org/officeDocument/2006/relationships" xmlns:p="http://schemas.openxmlformats.org/presentationml/2006/main">
   <p:cSld>
     <p:spTree>
@@ -4038,11 +4772,16 @@
         </p:nvSpPr>
         <p:spPr/>
         <p:txBody>
-          <a:bodyPr/>
-          <a:lstStyle/>
-          <a:p>
-            <a:r>
-              <a:rPr lang="zh-CN" altLang="en-US" dirty="0"/>
+          <a:bodyPr>
+            <a:normAutofit/>
+          </a:bodyPr>
+          <a:lstStyle/>
+          <a:p>
+            <a:r>
+              <a:rPr lang="zh-CN" altLang="en-US" b="1" dirty="0">
+                <a:latin typeface="微软雅黑" panose="020B0503020204020204" pitchFamily="34" charset="-122"/>
+                <a:ea typeface="微软雅黑" panose="020B0503020204020204" pitchFamily="34" charset="-122"/>
+              </a:rPr>
               <a:t>前端</a:t>
             </a:r>
           </a:p>
@@ -4063,7 +4802,7 @@
         <p:spPr>
           <a:xfrm>
             <a:off x="838200" y="1690688"/>
-            <a:ext cx="2654030" cy="646331"/>
+            <a:ext cx="2654030" cy="1200329"/>
           </a:xfrm>
           <a:prstGeom prst="rect">
             <a:avLst/>
@@ -4077,11 +4816,11 @@
           <a:lstStyle/>
           <a:p>
             <a:r>
-              <a:rPr lang="zh-CN" altLang="en-US" b="1" dirty="0"/>
+              <a:rPr lang="zh-CN" altLang="en-US" sz="2400" b="1" dirty="0"/>
               <a:t>私信：</a:t>
             </a:r>
             <a:r>
-              <a:rPr lang="zh-CN" altLang="en-US" dirty="0"/>
+              <a:rPr lang="zh-CN" altLang="en-US" sz="2400" dirty="0"/>
               <a:t>用户可以与买家进行一对一交流</a:t>
             </a:r>
           </a:p>
@@ -4130,7 +4869,7 @@
 </p:sld>
 </file>
 
-<file path=ppt/slides/slide12.xml><?xml version="1.0" encoding="utf-8"?>
+<file path=ppt/slides/slide13.xml><?xml version="1.0" encoding="utf-8"?>
 <p:sld xmlns:a="http://schemas.openxmlformats.org/drawingml/2006/main" xmlns:r="http://schemas.openxmlformats.org/officeDocument/2006/relationships" xmlns:p="http://schemas.openxmlformats.org/presentationml/2006/main">
   <p:cSld>
     <p:spTree>
@@ -4171,11 +4910,16 @@
         </p:nvSpPr>
         <p:spPr/>
         <p:txBody>
-          <a:bodyPr/>
-          <a:lstStyle/>
-          <a:p>
-            <a:r>
-              <a:rPr lang="zh-CN" altLang="en-US" dirty="0"/>
+          <a:bodyPr>
+            <a:normAutofit/>
+          </a:bodyPr>
+          <a:lstStyle/>
+          <a:p>
+            <a:r>
+              <a:rPr lang="zh-CN" altLang="en-US" b="1" dirty="0">
+                <a:latin typeface="微软雅黑" panose="020B0503020204020204" pitchFamily="34" charset="-122"/>
+                <a:ea typeface="微软雅黑" panose="020B0503020204020204" pitchFamily="34" charset="-122"/>
+              </a:rPr>
               <a:t>前端</a:t>
             </a:r>
           </a:p>
@@ -4196,7 +4940,7 @@
         <p:spPr>
           <a:xfrm>
             <a:off x="838200" y="1690688"/>
-            <a:ext cx="2654030" cy="923330"/>
+            <a:ext cx="2654030" cy="1200329"/>
           </a:xfrm>
           <a:prstGeom prst="rect">
             <a:avLst/>
@@ -4210,11 +4954,11 @@
           <a:lstStyle/>
           <a:p>
             <a:r>
-              <a:rPr lang="zh-CN" altLang="en-US" b="1" dirty="0"/>
+              <a:rPr lang="zh-CN" altLang="en-US" sz="2400" b="1" dirty="0"/>
               <a:t>收藏夹：</a:t>
             </a:r>
             <a:r>
-              <a:rPr lang="zh-CN" altLang="en-US" dirty="0"/>
+              <a:rPr lang="zh-CN" altLang="en-US" sz="2400" dirty="0"/>
               <a:t>用户可以查看和管理收藏夹与收藏的物品</a:t>
             </a:r>
           </a:p>
@@ -4263,17 +5007,9 @@
 </p:sld>
 </file>
 
-<file path=ppt/slides/slide13.xml><?xml version="1.0" encoding="utf-8"?>
+<file path=ppt/slides/slide14.xml><?xml version="1.0" encoding="utf-8"?>
 <p:sld xmlns:a="http://schemas.openxmlformats.org/drawingml/2006/main" xmlns:r="http://schemas.openxmlformats.org/officeDocument/2006/relationships" xmlns:p="http://schemas.openxmlformats.org/presentationml/2006/main">
   <p:cSld>
-    <p:bg>
-      <p:bgPr>
-        <a:solidFill>
-          <a:schemeClr val="bg1"/>
-        </a:solidFill>
-        <a:effectLst/>
-      </p:bgPr>
-    </p:bg>
     <p:spTree>
       <p:nvGrpSpPr>
         <p:cNvPr id="1" name="">
@@ -4294,86 +5030,26 @@
           <a:chExt cx="0" cy="0"/>
         </a:xfrm>
       </p:grpSpPr>
-      <p:sp useBgFill="1">
-        <p:nvSpPr>
-          <p:cNvPr id="13" name="Rectangle 12">
-            <a:extLst>
-              <a:ext uri="{FF2B5EF4-FFF2-40B4-BE49-F238E27FC236}">
-                <a16:creationId xmlns:a16="http://schemas.microsoft.com/office/drawing/2014/main" id="{2B97F24A-32CE-4C1C-A50D-3016B394DCFB}"/>
-              </a:ext>
-              <a:ext uri="{C183D7F6-B498-43B3-948B-1728B52AA6E4}">
-                <adec:decorative xmlns:adec="http://schemas.microsoft.com/office/drawing/2017/decorative" val="1"/>
-              </a:ext>
-            </a:extLst>
-          </p:cNvPr>
-          <p:cNvSpPr>
-            <a:spLocks noGrp="1" noRot="1" noChangeAspect="1" noMove="1" noResize="1" noEditPoints="1" noAdjustHandles="1" noChangeArrowheads="1" noChangeShapeType="1" noTextEdit="1"/>
-          </p:cNvSpPr>
-          <p:nvPr>
-            <p:extLst>
-              <p:ext uri="{386F3935-93C4-4BCD-93E2-E3B085C9AB24}">
-                <p16:designElem xmlns:p16="http://schemas.microsoft.com/office/powerpoint/2015/main" val="1"/>
-              </p:ext>
-            </p:extLst>
+      <p:sp>
+        <p:nvSpPr>
+          <p:cNvPr id="2" name="标题 1">
+            <a:extLst>
+              <a:ext uri="{FF2B5EF4-FFF2-40B4-BE49-F238E27FC236}">
+                <a16:creationId xmlns:a16="http://schemas.microsoft.com/office/drawing/2014/main" id="{49A5169B-7365-35C0-7251-2E1174B14089}"/>
+              </a:ext>
+            </a:extLst>
+          </p:cNvPr>
+          <p:cNvSpPr>
+            <a:spLocks noGrp="1"/>
+          </p:cNvSpPr>
+          <p:nvPr>
+            <p:ph type="title"/>
           </p:nvPr>
         </p:nvSpPr>
         <p:spPr>
           <a:xfrm>
-            <a:off x="0" y="0"/>
-            <a:ext cx="12192000" cy="6858000"/>
-          </a:xfrm>
-          <a:prstGeom prst="rect">
-            <a:avLst/>
-          </a:prstGeom>
-          <a:ln>
-            <a:noFill/>
-          </a:ln>
-        </p:spPr>
-        <p:style>
-          <a:lnRef idx="2">
-            <a:schemeClr val="accent1">
-              <a:shade val="50000"/>
-            </a:schemeClr>
-          </a:lnRef>
-          <a:fillRef idx="1">
-            <a:schemeClr val="accent1"/>
-          </a:fillRef>
-          <a:effectRef idx="0">
-            <a:schemeClr val="accent1"/>
-          </a:effectRef>
-          <a:fontRef idx="minor">
-            <a:schemeClr val="lt1"/>
-          </a:fontRef>
-        </p:style>
-        <p:txBody>
-          <a:bodyPr rtlCol="0" anchor="ctr"/>
-          <a:lstStyle/>
-          <a:p>
-            <a:pPr algn="ctr"/>
-            <a:endParaRPr lang="en-US"/>
-          </a:p>
-        </p:txBody>
-      </p:sp>
-      <p:sp>
-        <p:nvSpPr>
-          <p:cNvPr id="2" name="标题 1">
-            <a:extLst>
-              <a:ext uri="{FF2B5EF4-FFF2-40B4-BE49-F238E27FC236}">
-                <a16:creationId xmlns:a16="http://schemas.microsoft.com/office/drawing/2014/main" id="{49A5169B-7365-35C0-7251-2E1174B14089}"/>
-              </a:ext>
-            </a:extLst>
-          </p:cNvPr>
-          <p:cNvSpPr>
-            <a:spLocks noGrp="1"/>
-          </p:cNvSpPr>
-          <p:nvPr>
-            <p:ph type="title"/>
-          </p:nvPr>
-        </p:nvSpPr>
-        <p:spPr>
-          <a:xfrm>
-            <a:off x="630936" y="639520"/>
-            <a:ext cx="3429000" cy="1719072"/>
+            <a:off x="838200" y="365125"/>
+            <a:ext cx="10515600" cy="1325563"/>
           </a:xfrm>
         </p:spPr>
         <p:txBody>
@@ -4383,13 +5059,9 @@
           <a:lstStyle/>
           <a:p>
             <a:r>
-              <a:rPr lang="zh-CN" altLang="en-US" sz="5400" kern="1200">
-                <a:solidFill>
-                  <a:schemeClr val="tx1"/>
-                </a:solidFill>
-                <a:latin typeface="+mj-lt"/>
-                <a:ea typeface="+mj-ea"/>
-                <a:cs typeface="+mj-cs"/>
+              <a:rPr lang="zh-CN" altLang="en-US" b="1" dirty="0">
+                <a:latin typeface="微软雅黑" panose="020B0503020204020204" pitchFamily="34" charset="-122"/>
+                <a:ea typeface="微软雅黑" panose="020B0503020204020204" pitchFamily="34" charset="-122"/>
               </a:rPr>
               <a:t>前端</a:t>
             </a:r>
@@ -4398,292 +5070,19 @@
       </p:sp>
       <p:sp>
         <p:nvSpPr>
-          <p:cNvPr id="15" name="sketch line">
-            <a:extLst>
-              <a:ext uri="{FF2B5EF4-FFF2-40B4-BE49-F238E27FC236}">
-                <a16:creationId xmlns:a16="http://schemas.microsoft.com/office/drawing/2014/main" id="{CD8B4F24-440B-49E9-B85D-733523DC064B}"/>
-              </a:ext>
-              <a:ext uri="{C183D7F6-B498-43B3-948B-1728B52AA6E4}">
-                <adec:decorative xmlns:adec="http://schemas.microsoft.com/office/drawing/2017/decorative" val="1"/>
-              </a:ext>
-            </a:extLst>
-          </p:cNvPr>
-          <p:cNvSpPr>
-            <a:spLocks noGrp="1" noRot="1" noChangeAspect="1" noMove="1" noResize="1" noEditPoints="1" noAdjustHandles="1" noChangeArrowheads="1" noChangeShapeType="1" noTextEdit="1"/>
-          </p:cNvSpPr>
-          <p:nvPr>
-            <p:extLst>
-              <p:ext uri="{386F3935-93C4-4BCD-93E2-E3B085C9AB24}">
-                <p16:designElem xmlns:p16="http://schemas.microsoft.com/office/powerpoint/2015/main" val="1"/>
-              </p:ext>
-            </p:extLst>
-          </p:nvPr>
+          <p:cNvPr id="3" name="文本框 2">
+            <a:extLst>
+              <a:ext uri="{FF2B5EF4-FFF2-40B4-BE49-F238E27FC236}">
+                <a16:creationId xmlns:a16="http://schemas.microsoft.com/office/drawing/2014/main" id="{AAD39A9E-DD71-5215-3223-9DFD044C22F4}"/>
+              </a:ext>
+            </a:extLst>
+          </p:cNvPr>
+          <p:cNvSpPr txBox="1"/>
+          <p:nvPr/>
         </p:nvSpPr>
         <p:spPr>
           <a:xfrm>
-            <a:off x="643278" y="2573756"/>
-            <a:ext cx="3255095" cy="18288"/>
-          </a:xfrm>
-          <a:custGeom>
-            <a:avLst/>
-            <a:gdLst>
-              <a:gd name="csX0" fmla="*/ 0 w 3255095"/>
-              <a:gd name="csY0" fmla="*/ 0 h 18288"/>
-              <a:gd name="csX1" fmla="*/ 618468 w 3255095"/>
-              <a:gd name="csY1" fmla="*/ 0 h 18288"/>
-              <a:gd name="csX2" fmla="*/ 1269487 w 3255095"/>
-              <a:gd name="csY2" fmla="*/ 0 h 18288"/>
-              <a:gd name="csX3" fmla="*/ 1953057 w 3255095"/>
-              <a:gd name="csY3" fmla="*/ 0 h 18288"/>
-              <a:gd name="csX4" fmla="*/ 2636627 w 3255095"/>
-              <a:gd name="csY4" fmla="*/ 0 h 18288"/>
-              <a:gd name="csX5" fmla="*/ 3255095 w 3255095"/>
-              <a:gd name="csY5" fmla="*/ 0 h 18288"/>
-              <a:gd name="csX6" fmla="*/ 3255095 w 3255095"/>
-              <a:gd name="csY6" fmla="*/ 18288 h 18288"/>
-              <a:gd name="csX7" fmla="*/ 2538974 w 3255095"/>
-              <a:gd name="csY7" fmla="*/ 18288 h 18288"/>
-              <a:gd name="csX8" fmla="*/ 1822853 w 3255095"/>
-              <a:gd name="csY8" fmla="*/ 18288 h 18288"/>
-              <a:gd name="csX9" fmla="*/ 1171834 w 3255095"/>
-              <a:gd name="csY9" fmla="*/ 18288 h 18288"/>
-              <a:gd name="csX10" fmla="*/ 0 w 3255095"/>
-              <a:gd name="csY10" fmla="*/ 18288 h 18288"/>
-              <a:gd name="csX11" fmla="*/ 0 w 3255095"/>
-              <a:gd name="csY11" fmla="*/ 0 h 18288"/>
-            </a:gdLst>
-            <a:ahLst/>
-            <a:cxnLst>
-              <a:cxn ang="0">
-                <a:pos x="csX0" y="csY0"/>
-              </a:cxn>
-              <a:cxn ang="0">
-                <a:pos x="csX1" y="csY1"/>
-              </a:cxn>
-              <a:cxn ang="0">
-                <a:pos x="csX2" y="csY2"/>
-              </a:cxn>
-              <a:cxn ang="0">
-                <a:pos x="csX3" y="csY3"/>
-              </a:cxn>
-              <a:cxn ang="0">
-                <a:pos x="csX4" y="csY4"/>
-              </a:cxn>
-              <a:cxn ang="0">
-                <a:pos x="csX5" y="csY5"/>
-              </a:cxn>
-              <a:cxn ang="0">
-                <a:pos x="csX6" y="csY6"/>
-              </a:cxn>
-              <a:cxn ang="0">
-                <a:pos x="csX7" y="csY7"/>
-              </a:cxn>
-              <a:cxn ang="0">
-                <a:pos x="csX8" y="csY8"/>
-              </a:cxn>
-              <a:cxn ang="0">
-                <a:pos x="csX9" y="csY9"/>
-              </a:cxn>
-              <a:cxn ang="0">
-                <a:pos x="csX10" y="csY10"/>
-              </a:cxn>
-              <a:cxn ang="0">
-                <a:pos x="csX11" y="csY11"/>
-              </a:cxn>
-            </a:cxnLst>
-            <a:rect l="l" t="t" r="r" b="b"/>
-            <a:pathLst>
-              <a:path w="3255095" h="18288" fill="none" extrusionOk="0">
-                <a:moveTo>
-                  <a:pt x="0" y="0"/>
-                </a:moveTo>
-                <a:cubicBezTo>
-                  <a:pt x="240201" y="-22123"/>
-                  <a:pt x="462021" y="-19623"/>
-                  <a:pt x="618468" y="0"/>
-                </a:cubicBezTo>
-                <a:cubicBezTo>
-                  <a:pt x="774915" y="19623"/>
-                  <a:pt x="974734" y="2035"/>
-                  <a:pt x="1269487" y="0"/>
-                </a:cubicBezTo>
-                <a:cubicBezTo>
-                  <a:pt x="1564240" y="-2035"/>
-                  <a:pt x="1733579" y="10639"/>
-                  <a:pt x="1953057" y="0"/>
-                </a:cubicBezTo>
-                <a:cubicBezTo>
-                  <a:pt x="2172535" y="-10639"/>
-                  <a:pt x="2453962" y="14018"/>
-                  <a:pt x="2636627" y="0"/>
-                </a:cubicBezTo>
-                <a:cubicBezTo>
-                  <a:pt x="2819292" y="-14018"/>
-                  <a:pt x="3121375" y="5399"/>
-                  <a:pt x="3255095" y="0"/>
-                </a:cubicBezTo>
-                <a:cubicBezTo>
-                  <a:pt x="3254386" y="8157"/>
-                  <a:pt x="3254682" y="12125"/>
-                  <a:pt x="3255095" y="18288"/>
-                </a:cubicBezTo>
-                <a:cubicBezTo>
-                  <a:pt x="3088545" y="23203"/>
-                  <a:pt x="2687475" y="7419"/>
-                  <a:pt x="2538974" y="18288"/>
-                </a:cubicBezTo>
-                <a:cubicBezTo>
-                  <a:pt x="2390473" y="29157"/>
-                  <a:pt x="2137381" y="-8959"/>
-                  <a:pt x="1822853" y="18288"/>
-                </a:cubicBezTo>
-                <a:cubicBezTo>
-                  <a:pt x="1508325" y="45535"/>
-                  <a:pt x="1466437" y="20385"/>
-                  <a:pt x="1171834" y="18288"/>
-                </a:cubicBezTo>
-                <a:cubicBezTo>
-                  <a:pt x="877231" y="16191"/>
-                  <a:pt x="561097" y="37643"/>
-                  <a:pt x="0" y="18288"/>
-                </a:cubicBezTo>
-                <a:cubicBezTo>
-                  <a:pt x="-46" y="12483"/>
-                  <a:pt x="-203" y="6491"/>
-                  <a:pt x="0" y="0"/>
-                </a:cubicBezTo>
-                <a:close/>
-              </a:path>
-              <a:path w="3255095" h="18288" stroke="0" extrusionOk="0">
-                <a:moveTo>
-                  <a:pt x="0" y="0"/>
-                </a:moveTo>
-                <a:cubicBezTo>
-                  <a:pt x="291965" y="19429"/>
-                  <a:pt x="363155" y="8568"/>
-                  <a:pt x="618468" y="0"/>
-                </a:cubicBezTo>
-                <a:cubicBezTo>
-                  <a:pt x="873781" y="-8568"/>
-                  <a:pt x="904459" y="-19505"/>
-                  <a:pt x="1171834" y="0"/>
-                </a:cubicBezTo>
-                <a:cubicBezTo>
-                  <a:pt x="1439209" y="19505"/>
-                  <a:pt x="1744369" y="9790"/>
-                  <a:pt x="1887955" y="0"/>
-                </a:cubicBezTo>
-                <a:cubicBezTo>
-                  <a:pt x="2031541" y="-9790"/>
-                  <a:pt x="2346378" y="21240"/>
-                  <a:pt x="2506423" y="0"/>
-                </a:cubicBezTo>
-                <a:cubicBezTo>
-                  <a:pt x="2666468" y="-21240"/>
-                  <a:pt x="2990257" y="30414"/>
-                  <a:pt x="3255095" y="0"/>
-                </a:cubicBezTo>
-                <a:cubicBezTo>
-                  <a:pt x="3254831" y="4493"/>
-                  <a:pt x="3255479" y="9472"/>
-                  <a:pt x="3255095" y="18288"/>
-                </a:cubicBezTo>
-                <a:cubicBezTo>
-                  <a:pt x="3120743" y="16690"/>
-                  <a:pt x="2759628" y="42462"/>
-                  <a:pt x="2604076" y="18288"/>
-                </a:cubicBezTo>
-                <a:cubicBezTo>
-                  <a:pt x="2448524" y="-5886"/>
-                  <a:pt x="2184336" y="19599"/>
-                  <a:pt x="1887955" y="18288"/>
-                </a:cubicBezTo>
-                <a:cubicBezTo>
-                  <a:pt x="1591574" y="16977"/>
-                  <a:pt x="1548845" y="6870"/>
-                  <a:pt x="1334589" y="18288"/>
-                </a:cubicBezTo>
-                <a:cubicBezTo>
-                  <a:pt x="1120333" y="29706"/>
-                  <a:pt x="996014" y="9662"/>
-                  <a:pt x="683570" y="18288"/>
-                </a:cubicBezTo>
-                <a:cubicBezTo>
-                  <a:pt x="371126" y="26914"/>
-                  <a:pt x="198687" y="16167"/>
-                  <a:pt x="0" y="18288"/>
-                </a:cubicBezTo>
-                <a:cubicBezTo>
-                  <a:pt x="843" y="9577"/>
-                  <a:pt x="371" y="6900"/>
-                  <a:pt x="0" y="0"/>
-                </a:cubicBezTo>
-                <a:close/>
-              </a:path>
-            </a:pathLst>
-          </a:custGeom>
-          <a:solidFill>
-            <a:schemeClr val="accent2"/>
-          </a:solidFill>
-          <a:ln w="38100" cap="rnd">
-            <a:solidFill>
-              <a:schemeClr val="accent2"/>
-            </a:solidFill>
-            <a:round/>
-            <a:extLst>
-              <a:ext uri="{C807C97D-BFC1-408E-A445-0C87EB9F89A2}">
-                <ask:lineSketchStyleProps xmlns:ask="http://schemas.microsoft.com/office/drawing/2018/sketchyshapes" sd="1219033472">
-                  <a:prstGeom prst="rect">
-                    <a:avLst/>
-                  </a:prstGeom>
-                  <ask:type>
-                    <ask:lineSketchFreehand/>
-                  </ask:type>
-                </ask:lineSketchStyleProps>
-              </a:ext>
-            </a:extLst>
-          </a:ln>
-        </p:spPr>
-        <p:style>
-          <a:lnRef idx="2">
-            <a:schemeClr val="accent1">
-              <a:shade val="50000"/>
-            </a:schemeClr>
-          </a:lnRef>
-          <a:fillRef idx="1">
-            <a:schemeClr val="accent1"/>
-          </a:fillRef>
-          <a:effectRef idx="0">
-            <a:schemeClr val="accent1"/>
-          </a:effectRef>
-          <a:fontRef idx="minor">
-            <a:schemeClr val="lt1"/>
-          </a:fontRef>
-        </p:style>
-        <p:txBody>
-          <a:bodyPr rtlCol="0" anchor="ctr"/>
-          <a:lstStyle/>
-          <a:p>
-            <a:pPr algn="ctr"/>
-            <a:endParaRPr lang="en-US"/>
-          </a:p>
-        </p:txBody>
-      </p:sp>
-      <p:sp>
-        <p:nvSpPr>
-          <p:cNvPr id="3" name="文本框 2">
-            <a:extLst>
-              <a:ext uri="{FF2B5EF4-FFF2-40B4-BE49-F238E27FC236}">
-                <a16:creationId xmlns:a16="http://schemas.microsoft.com/office/drawing/2014/main" id="{AAD39A9E-DD71-5215-3223-9DFD044C22F4}"/>
-              </a:ext>
-            </a:extLst>
-          </p:cNvPr>
-          <p:cNvSpPr txBox="1"/>
-          <p:nvPr/>
-        </p:nvSpPr>
-        <p:spPr>
-          <a:xfrm>
-            <a:off x="630936" y="2807208"/>
+            <a:off x="838200" y="1930314"/>
             <a:ext cx="3429000" cy="3410712"/>
           </a:xfrm>
           <a:prstGeom prst="rect">
@@ -4707,14 +5106,14 @@
               <a:buChar char="•"/>
             </a:pPr>
             <a:r>
-              <a:rPr lang="zh-CN" altLang="en-US" sz="2200" b="1" dirty="0"/>
+              <a:rPr lang="zh-CN" altLang="en-US" sz="2400" b="1" dirty="0"/>
               <a:t>订单：</a:t>
             </a:r>
             <a:r>
-              <a:rPr lang="zh-CN" altLang="en-US" sz="2200" dirty="0"/>
+              <a:rPr lang="zh-CN" altLang="en-US" sz="2400" dirty="0"/>
               <a:t>用户可以查看自己买过的商品订单</a:t>
             </a:r>
-            <a:endParaRPr lang="en-US" altLang="zh-CN" sz="2200" dirty="0"/>
+            <a:endParaRPr lang="en-US" altLang="zh-CN" sz="2400" dirty="0"/>
           </a:p>
         </p:txBody>
       </p:sp>
@@ -4740,7 +5139,7 @@
         </p:blipFill>
         <p:spPr>
           <a:xfrm>
-            <a:off x="4654296" y="1418291"/>
+            <a:off x="4703214" y="1418291"/>
             <a:ext cx="6903720" cy="4021417"/>
           </a:xfrm>
           <a:prstGeom prst="rect">
@@ -4752,85 +5151,6 @@
     <p:extLst>
       <p:ext uri="{BB962C8B-B14F-4D97-AF65-F5344CB8AC3E}">
         <p14:creationId xmlns:p14="http://schemas.microsoft.com/office/powerpoint/2010/main" val="2505879518"/>
-      </p:ext>
-    </p:extLst>
-  </p:cSld>
-  <p:clrMapOvr>
-    <a:masterClrMapping/>
-  </p:clrMapOvr>
-</p:sld>
-</file>
-
-<file path=ppt/slides/slide14.xml><?xml version="1.0" encoding="utf-8"?>
-<p:sld xmlns:a="http://schemas.openxmlformats.org/drawingml/2006/main" xmlns:r="http://schemas.openxmlformats.org/officeDocument/2006/relationships" xmlns:p="http://schemas.openxmlformats.org/presentationml/2006/main">
-  <p:cSld>
-    <p:spTree>
-      <p:nvGrpSpPr>
-        <p:cNvPr id="1" name="">
-          <a:extLst>
-            <a:ext uri="{FF2B5EF4-FFF2-40B4-BE49-F238E27FC236}">
-              <a16:creationId xmlns:a16="http://schemas.microsoft.com/office/drawing/2014/main" id="{14FA2ABB-AB51-9FC5-801D-9EB57BF23EF3}"/>
-            </a:ext>
-          </a:extLst>
-        </p:cNvPr>
-        <p:cNvGrpSpPr/>
-        <p:nvPr/>
-      </p:nvGrpSpPr>
-      <p:grpSpPr>
-        <a:xfrm>
-          <a:off x="0" y="0"/>
-          <a:ext cx="0" cy="0"/>
-          <a:chOff x="0" y="0"/>
-          <a:chExt cx="0" cy="0"/>
-        </a:xfrm>
-      </p:grpSpPr>
-      <p:sp>
-        <p:nvSpPr>
-          <p:cNvPr id="2" name="标题 1">
-            <a:extLst>
-              <a:ext uri="{FF2B5EF4-FFF2-40B4-BE49-F238E27FC236}">
-                <a16:creationId xmlns:a16="http://schemas.microsoft.com/office/drawing/2014/main" id="{23E08F69-9D2F-ADB1-E5B0-AC02BD94AEF5}"/>
-              </a:ext>
-            </a:extLst>
-          </p:cNvPr>
-          <p:cNvSpPr>
-            <a:spLocks noGrp="1"/>
-          </p:cNvSpPr>
-          <p:nvPr>
-            <p:ph type="title"/>
-          </p:nvPr>
-        </p:nvSpPr>
-        <p:spPr>
-          <a:xfrm>
-            <a:off x="630936" y="639520"/>
-            <a:ext cx="3429000" cy="1719072"/>
-          </a:xfrm>
-        </p:spPr>
-        <p:txBody>
-          <a:bodyPr vert="horz" lIns="91440" tIns="45720" rIns="91440" bIns="45720" rtlCol="0" anchor="b">
-            <a:normAutofit/>
-          </a:bodyPr>
-          <a:lstStyle/>
-          <a:p>
-            <a:r>
-              <a:rPr lang="zh-CN" altLang="en-US" sz="5400" dirty="0"/>
-              <a:t>后端</a:t>
-            </a:r>
-            <a:endParaRPr lang="zh-CN" altLang="en-US" sz="5400" kern="1200" dirty="0">
-              <a:solidFill>
-                <a:schemeClr val="tx1"/>
-              </a:solidFill>
-              <a:latin typeface="+mj-lt"/>
-              <a:ea typeface="+mj-ea"/>
-              <a:cs typeface="+mj-cs"/>
-            </a:endParaRPr>
-          </a:p>
-        </p:txBody>
-      </p:sp>
-    </p:spTree>
-    <p:extLst>
-      <p:ext uri="{BB962C8B-B14F-4D97-AF65-F5344CB8AC3E}">
-        <p14:creationId xmlns:p14="http://schemas.microsoft.com/office/powerpoint/2010/main" val="4222202514"/>
       </p:ext>
     </p:extLst>
   </p:cSld>
@@ -4848,7 +5168,7 @@
         <p:cNvPr id="1" name="">
           <a:extLst>
             <a:ext uri="{FF2B5EF4-FFF2-40B4-BE49-F238E27FC236}">
-              <a16:creationId xmlns:a16="http://schemas.microsoft.com/office/drawing/2014/main" id="{46380802-1904-9BFC-C6D2-E93DAB6F63AA}"/>
+              <a16:creationId xmlns:a16="http://schemas.microsoft.com/office/drawing/2014/main" id="{4C9C62E1-B966-956B-51FB-70B19D5D1C3E}"/>
             </a:ext>
           </a:extLst>
         </p:cNvPr>
@@ -4868,7 +5188,7 @@
           <p:cNvPr id="2" name="标题 1">
             <a:extLst>
               <a:ext uri="{FF2B5EF4-FFF2-40B4-BE49-F238E27FC236}">
-                <a16:creationId xmlns:a16="http://schemas.microsoft.com/office/drawing/2014/main" id="{AE8A34A8-DCC7-0EA1-6F56-2C9FE6C9462A}"/>
+                <a16:creationId xmlns:a16="http://schemas.microsoft.com/office/drawing/2014/main" id="{37E724F0-0590-5327-49B3-98ECA48277FD}"/>
               </a:ext>
             </a:extLst>
           </p:cNvPr>
@@ -4882,7 +5202,7 @@
         <p:spPr>
           <a:xfrm>
             <a:off x="630936" y="639520"/>
-            <a:ext cx="3429000" cy="1719072"/>
+            <a:ext cx="3429000" cy="1013789"/>
           </a:xfrm>
         </p:spPr>
         <p:txBody>
@@ -4892,23 +5212,981 @@
           <a:lstStyle/>
           <a:p>
             <a:r>
-              <a:rPr lang="zh-CN" altLang="en-US" sz="5400" kern="1200" dirty="0">
+              <a:rPr lang="zh-CN" altLang="en-US" b="1" dirty="0">
+                <a:latin typeface="微软雅黑" panose="020B0503020204020204" pitchFamily="34" charset="-122"/>
+                <a:ea typeface="微软雅黑" panose="020B0503020204020204" pitchFamily="34" charset="-122"/>
+              </a:rPr>
+              <a:t>后端</a:t>
+            </a:r>
+          </a:p>
+        </p:txBody>
+      </p:sp>
+      <p:pic>
+        <p:nvPicPr>
+          <p:cNvPr id="4" name="图片 3" descr="图片包含 文本&#10;&#10;AI 生成的内容可能不正确。">
+            <a:extLst>
+              <a:ext uri="{FF2B5EF4-FFF2-40B4-BE49-F238E27FC236}">
+                <a16:creationId xmlns:a16="http://schemas.microsoft.com/office/drawing/2014/main" id="{1257186E-DD65-0E56-E13E-15448B30E872}"/>
+              </a:ext>
+            </a:extLst>
+          </p:cNvPr>
+          <p:cNvPicPr>
+            <a:picLocks noChangeAspect="1"/>
+          </p:cNvPicPr>
+          <p:nvPr/>
+        </p:nvPicPr>
+        <p:blipFill>
+          <a:blip r:embed="rId2"/>
+          <a:stretch>
+            <a:fillRect/>
+          </a:stretch>
+        </p:blipFill>
+        <p:spPr>
+          <a:xfrm>
+            <a:off x="2552700" y="896573"/>
+            <a:ext cx="3029096" cy="4543645"/>
+          </a:xfrm>
+          <a:prstGeom prst="rect">
+            <a:avLst/>
+          </a:prstGeom>
+        </p:spPr>
+      </p:pic>
+      <p:sp>
+        <p:nvSpPr>
+          <p:cNvPr id="5" name="文本框 4">
+            <a:extLst>
+              <a:ext uri="{FF2B5EF4-FFF2-40B4-BE49-F238E27FC236}">
+                <a16:creationId xmlns:a16="http://schemas.microsoft.com/office/drawing/2014/main" id="{EA18D050-15AC-4349-701A-53CB75F1917E}"/>
+              </a:ext>
+            </a:extLst>
+          </p:cNvPr>
+          <p:cNvSpPr txBox="1"/>
+          <p:nvPr/>
+        </p:nvSpPr>
+        <p:spPr>
+          <a:xfrm>
+            <a:off x="838200" y="1930314"/>
+            <a:ext cx="3429000" cy="3410712"/>
+          </a:xfrm>
+          <a:prstGeom prst="rect">
+            <a:avLst/>
+          </a:prstGeom>
+        </p:spPr>
+        <p:txBody>
+          <a:bodyPr vert="horz" lIns="91440" tIns="45720" rIns="91440" bIns="45720" rtlCol="0" anchor="t">
+            <a:normAutofit/>
+          </a:bodyPr>
+          <a:lstStyle/>
+          <a:p>
+            <a:pPr indent="-228600">
+              <a:lnSpc>
+                <a:spcPct val="90000"/>
+              </a:lnSpc>
+              <a:spcAft>
+                <a:spcPts val="600"/>
+              </a:spcAft>
+              <a:buFont typeface="Arial" panose="020B0604020202020204" pitchFamily="34" charset="0"/>
+              <a:buChar char="•"/>
+            </a:pPr>
+            <a:r>
+              <a:rPr lang="zh-CN" altLang="en-US" sz="2400" b="1" dirty="0"/>
+              <a:t>整体架构</a:t>
+            </a:r>
+            <a:endParaRPr lang="en-US" altLang="zh-CN" sz="2400" dirty="0"/>
+          </a:p>
+        </p:txBody>
+      </p:sp>
+      <p:sp>
+        <p:nvSpPr>
+          <p:cNvPr id="3" name="AutoShape 2">
+            <a:extLst>
+              <a:ext uri="{FF2B5EF4-FFF2-40B4-BE49-F238E27FC236}">
+                <a16:creationId xmlns:a16="http://schemas.microsoft.com/office/drawing/2014/main" id="{E0B32766-F696-E743-AEE8-6700310F5BE7}"/>
+              </a:ext>
+            </a:extLst>
+          </p:cNvPr>
+          <p:cNvSpPr>
+            <a:spLocks noChangeAspect="1" noChangeArrowheads="1"/>
+          </p:cNvSpPr>
+          <p:nvPr/>
+        </p:nvSpPr>
+        <p:spPr bwMode="auto">
+          <a:xfrm>
+            <a:off x="5943600" y="3276600"/>
+            <a:ext cx="304800" cy="304800"/>
+          </a:xfrm>
+          <a:prstGeom prst="rect">
+            <a:avLst/>
+          </a:prstGeom>
+          <a:noFill/>
+          <a:extLst>
+            <a:ext uri="{909E8E84-426E-40DD-AFC4-6F175D3DCCD1}">
+              <a14:hiddenFill xmlns:a14="http://schemas.microsoft.com/office/drawing/2010/main">
                 <a:solidFill>
-                  <a:schemeClr val="tx1"/>
+                  <a:srgbClr val="FFFFFF"/>
                 </a:solidFill>
-                <a:latin typeface="+mj-lt"/>
-                <a:ea typeface="+mj-ea"/>
-                <a:cs typeface="+mj-cs"/>
-              </a:rPr>
-              <a:t>感谢页</a:t>
-            </a:r>
-          </a:p>
-        </p:txBody>
-      </p:sp>
+              </a14:hiddenFill>
+            </a:ext>
+          </a:extLst>
+        </p:spPr>
+        <p:txBody>
+          <a:bodyPr vert="horz" wrap="square" lIns="91440" tIns="45720" rIns="91440" bIns="45720" numCol="1" anchor="t" anchorCtr="0" compatLnSpc="1">
+            <a:prstTxWarp prst="textNoShape">
+              <a:avLst/>
+            </a:prstTxWarp>
+          </a:bodyPr>
+          <a:lstStyle/>
+          <a:p>
+            <a:endParaRPr lang="zh-CN" altLang="en-US"/>
+          </a:p>
+        </p:txBody>
+      </p:sp>
+      <p:pic>
+        <p:nvPicPr>
+          <p:cNvPr id="9" name="图片 8">
+            <a:extLst>
+              <a:ext uri="{FF2B5EF4-FFF2-40B4-BE49-F238E27FC236}">
+                <a16:creationId xmlns:a16="http://schemas.microsoft.com/office/drawing/2014/main" id="{3C2B9CDB-B1E1-83C2-412D-22FA054C2FA5}"/>
+              </a:ext>
+            </a:extLst>
+          </p:cNvPr>
+          <p:cNvPicPr>
+            <a:picLocks noChangeAspect="1"/>
+          </p:cNvPicPr>
+          <p:nvPr/>
+        </p:nvPicPr>
+        <p:blipFill>
+          <a:blip r:embed="rId3">
+            <a:extLst>
+              <a:ext uri="{28A0092B-C50C-407E-A947-70E740481C1C}">
+                <a14:useLocalDpi xmlns:a14="http://schemas.microsoft.com/office/drawing/2010/main" val="0"/>
+              </a:ext>
+            </a:extLst>
+          </a:blip>
+          <a:stretch>
+            <a:fillRect/>
+          </a:stretch>
+        </p:blipFill>
+        <p:spPr>
+          <a:xfrm>
+            <a:off x="5581796" y="896573"/>
+            <a:ext cx="5627964" cy="4820736"/>
+          </a:xfrm>
+          <a:prstGeom prst="rect">
+            <a:avLst/>
+          </a:prstGeom>
+        </p:spPr>
+      </p:pic>
     </p:spTree>
     <p:extLst>
       <p:ext uri="{BB962C8B-B14F-4D97-AF65-F5344CB8AC3E}">
-        <p14:creationId xmlns:p14="http://schemas.microsoft.com/office/powerpoint/2010/main" val="2901478571"/>
+        <p14:creationId xmlns:p14="http://schemas.microsoft.com/office/powerpoint/2010/main" val="2678002355"/>
+      </p:ext>
+    </p:extLst>
+  </p:cSld>
+  <p:clrMapOvr>
+    <a:masterClrMapping/>
+  </p:clrMapOvr>
+</p:sld>
+</file>
+
+<file path=ppt/slides/slide16.xml><?xml version="1.0" encoding="utf-8"?>
+<p:sld xmlns:a="http://schemas.openxmlformats.org/drawingml/2006/main" xmlns:r="http://schemas.openxmlformats.org/officeDocument/2006/relationships" xmlns:p="http://schemas.openxmlformats.org/presentationml/2006/main">
+  <p:cSld>
+    <p:spTree>
+      <p:nvGrpSpPr>
+        <p:cNvPr id="1" name="">
+          <a:extLst>
+            <a:ext uri="{FF2B5EF4-FFF2-40B4-BE49-F238E27FC236}">
+              <a16:creationId xmlns:a16="http://schemas.microsoft.com/office/drawing/2014/main" id="{8E7D17B0-A7A3-0CF8-1B19-AB166CBEAD00}"/>
+            </a:ext>
+          </a:extLst>
+        </p:cNvPr>
+        <p:cNvGrpSpPr/>
+        <p:nvPr/>
+      </p:nvGrpSpPr>
+      <p:grpSpPr>
+        <a:xfrm>
+          <a:off x="0" y="0"/>
+          <a:ext cx="0" cy="0"/>
+          <a:chOff x="0" y="0"/>
+          <a:chExt cx="0" cy="0"/>
+        </a:xfrm>
+      </p:grpSpPr>
+      <p:sp>
+        <p:nvSpPr>
+          <p:cNvPr id="2" name="标题 1">
+            <a:extLst>
+              <a:ext uri="{FF2B5EF4-FFF2-40B4-BE49-F238E27FC236}">
+                <a16:creationId xmlns:a16="http://schemas.microsoft.com/office/drawing/2014/main" id="{E684331B-AC16-C5DB-37AD-D8E28173098E}"/>
+              </a:ext>
+            </a:extLst>
+          </p:cNvPr>
+          <p:cNvSpPr>
+            <a:spLocks noGrp="1"/>
+          </p:cNvSpPr>
+          <p:nvPr>
+            <p:ph type="title"/>
+          </p:nvPr>
+        </p:nvSpPr>
+        <p:spPr>
+          <a:xfrm>
+            <a:off x="630936" y="639520"/>
+            <a:ext cx="3429000" cy="1013789"/>
+          </a:xfrm>
+        </p:spPr>
+        <p:txBody>
+          <a:bodyPr vert="horz" lIns="91440" tIns="45720" rIns="91440" bIns="45720" rtlCol="0" anchor="b">
+            <a:normAutofit/>
+          </a:bodyPr>
+          <a:lstStyle/>
+          <a:p>
+            <a:r>
+              <a:rPr lang="zh-CN" altLang="en-US" b="1" dirty="0">
+                <a:latin typeface="微软雅黑" panose="020B0503020204020204" pitchFamily="34" charset="-122"/>
+                <a:ea typeface="微软雅黑" panose="020B0503020204020204" pitchFamily="34" charset="-122"/>
+              </a:rPr>
+              <a:t>后端</a:t>
+            </a:r>
+          </a:p>
+        </p:txBody>
+      </p:sp>
+      <p:sp>
+        <p:nvSpPr>
+          <p:cNvPr id="5" name="文本框 4">
+            <a:extLst>
+              <a:ext uri="{FF2B5EF4-FFF2-40B4-BE49-F238E27FC236}">
+                <a16:creationId xmlns:a16="http://schemas.microsoft.com/office/drawing/2014/main" id="{D1E03755-A5E7-7A2E-CD45-E16CF8C110D7}"/>
+              </a:ext>
+            </a:extLst>
+          </p:cNvPr>
+          <p:cNvSpPr txBox="1"/>
+          <p:nvPr/>
+        </p:nvSpPr>
+        <p:spPr>
+          <a:xfrm>
+            <a:off x="838200" y="1930314"/>
+            <a:ext cx="3429000" cy="3410712"/>
+          </a:xfrm>
+          <a:prstGeom prst="rect">
+            <a:avLst/>
+          </a:prstGeom>
+        </p:spPr>
+        <p:txBody>
+          <a:bodyPr vert="horz" lIns="91440" tIns="45720" rIns="91440" bIns="45720" rtlCol="0" anchor="t">
+            <a:normAutofit/>
+          </a:bodyPr>
+          <a:lstStyle/>
+          <a:p>
+            <a:pPr indent="-228600">
+              <a:lnSpc>
+                <a:spcPct val="90000"/>
+              </a:lnSpc>
+              <a:spcAft>
+                <a:spcPts val="600"/>
+              </a:spcAft>
+              <a:buFont typeface="Arial" panose="020B0604020202020204" pitchFamily="34" charset="0"/>
+              <a:buChar char="•"/>
+            </a:pPr>
+            <a:r>
+              <a:rPr lang="zh-CN" altLang="en-US" sz="2400" b="1" dirty="0"/>
+              <a:t>核心功能的实现：购买商品</a:t>
+            </a:r>
+            <a:endParaRPr lang="en-US" altLang="zh-CN" sz="2400" dirty="0"/>
+          </a:p>
+        </p:txBody>
+      </p:sp>
+      <p:sp>
+        <p:nvSpPr>
+          <p:cNvPr id="3" name="AutoShape 2">
+            <a:extLst>
+              <a:ext uri="{FF2B5EF4-FFF2-40B4-BE49-F238E27FC236}">
+                <a16:creationId xmlns:a16="http://schemas.microsoft.com/office/drawing/2014/main" id="{30FFA61E-178D-6380-6A2F-18188BB247CD}"/>
+              </a:ext>
+            </a:extLst>
+          </p:cNvPr>
+          <p:cNvSpPr>
+            <a:spLocks noChangeAspect="1" noChangeArrowheads="1"/>
+          </p:cNvSpPr>
+          <p:nvPr/>
+        </p:nvSpPr>
+        <p:spPr bwMode="auto">
+          <a:xfrm>
+            <a:off x="5943600" y="3276600"/>
+            <a:ext cx="304800" cy="304800"/>
+          </a:xfrm>
+          <a:prstGeom prst="rect">
+            <a:avLst/>
+          </a:prstGeom>
+          <a:noFill/>
+          <a:extLst>
+            <a:ext uri="{909E8E84-426E-40DD-AFC4-6F175D3DCCD1}">
+              <a14:hiddenFill xmlns:a14="http://schemas.microsoft.com/office/drawing/2010/main">
+                <a:solidFill>
+                  <a:srgbClr val="FFFFFF"/>
+                </a:solidFill>
+              </a14:hiddenFill>
+            </a:ext>
+          </a:extLst>
+        </p:spPr>
+        <p:txBody>
+          <a:bodyPr vert="horz" wrap="square" lIns="91440" tIns="45720" rIns="91440" bIns="45720" numCol="1" anchor="t" anchorCtr="0" compatLnSpc="1">
+            <a:prstTxWarp prst="textNoShape">
+              <a:avLst/>
+            </a:prstTxWarp>
+          </a:bodyPr>
+          <a:lstStyle/>
+          <a:p>
+            <a:endParaRPr lang="zh-CN" altLang="en-US"/>
+          </a:p>
+        </p:txBody>
+      </p:sp>
+      <p:pic>
+        <p:nvPicPr>
+          <p:cNvPr id="14" name="图片 13" descr="文本&#10;&#10;AI 生成的内容可能不正确。">
+            <a:extLst>
+              <a:ext uri="{FF2B5EF4-FFF2-40B4-BE49-F238E27FC236}">
+                <a16:creationId xmlns:a16="http://schemas.microsoft.com/office/drawing/2014/main" id="{8E578C22-E955-24E2-2C3D-49702825B5B6}"/>
+              </a:ext>
+            </a:extLst>
+          </p:cNvPr>
+          <p:cNvPicPr>
+            <a:picLocks noChangeAspect="1"/>
+          </p:cNvPicPr>
+          <p:nvPr/>
+        </p:nvPicPr>
+        <p:blipFill>
+          <a:blip r:embed="rId2"/>
+          <a:stretch>
+            <a:fillRect/>
+          </a:stretch>
+        </p:blipFill>
+        <p:spPr>
+          <a:xfrm>
+            <a:off x="5312577" y="83127"/>
+            <a:ext cx="5590291" cy="6530109"/>
+          </a:xfrm>
+          <a:prstGeom prst="rect">
+            <a:avLst/>
+          </a:prstGeom>
+        </p:spPr>
+      </p:pic>
+    </p:spTree>
+    <p:extLst>
+      <p:ext uri="{BB962C8B-B14F-4D97-AF65-F5344CB8AC3E}">
+        <p14:creationId xmlns:p14="http://schemas.microsoft.com/office/powerpoint/2010/main" val="271315135"/>
+      </p:ext>
+    </p:extLst>
+  </p:cSld>
+  <p:clrMapOvr>
+    <a:masterClrMapping/>
+  </p:clrMapOvr>
+</p:sld>
+</file>
+
+<file path=ppt/slides/slide17.xml><?xml version="1.0" encoding="utf-8"?>
+<p:sld xmlns:a="http://schemas.openxmlformats.org/drawingml/2006/main" xmlns:r="http://schemas.openxmlformats.org/officeDocument/2006/relationships" xmlns:p="http://schemas.openxmlformats.org/presentationml/2006/main">
+  <p:cSld>
+    <p:spTree>
+      <p:nvGrpSpPr>
+        <p:cNvPr id="1" name="">
+          <a:extLst>
+            <a:ext uri="{FF2B5EF4-FFF2-40B4-BE49-F238E27FC236}">
+              <a16:creationId xmlns:a16="http://schemas.microsoft.com/office/drawing/2014/main" id="{5D4116D6-DF48-D0F7-F90D-5ABE700D1F67}"/>
+            </a:ext>
+          </a:extLst>
+        </p:cNvPr>
+        <p:cNvGrpSpPr/>
+        <p:nvPr/>
+      </p:nvGrpSpPr>
+      <p:grpSpPr>
+        <a:xfrm>
+          <a:off x="0" y="0"/>
+          <a:ext cx="0" cy="0"/>
+          <a:chOff x="0" y="0"/>
+          <a:chExt cx="0" cy="0"/>
+        </a:xfrm>
+      </p:grpSpPr>
+      <p:sp>
+        <p:nvSpPr>
+          <p:cNvPr id="2" name="标题 1">
+            <a:extLst>
+              <a:ext uri="{FF2B5EF4-FFF2-40B4-BE49-F238E27FC236}">
+                <a16:creationId xmlns:a16="http://schemas.microsoft.com/office/drawing/2014/main" id="{6BBDA0D9-744E-4DED-BAB4-5A872596C91C}"/>
+              </a:ext>
+            </a:extLst>
+          </p:cNvPr>
+          <p:cNvSpPr>
+            <a:spLocks noGrp="1"/>
+          </p:cNvSpPr>
+          <p:nvPr>
+            <p:ph type="title"/>
+          </p:nvPr>
+        </p:nvSpPr>
+        <p:spPr>
+          <a:xfrm>
+            <a:off x="630936" y="639520"/>
+            <a:ext cx="3429000" cy="1013789"/>
+          </a:xfrm>
+        </p:spPr>
+        <p:txBody>
+          <a:bodyPr vert="horz" lIns="91440" tIns="45720" rIns="91440" bIns="45720" rtlCol="0" anchor="b">
+            <a:normAutofit/>
+          </a:bodyPr>
+          <a:lstStyle/>
+          <a:p>
+            <a:r>
+              <a:rPr lang="zh-CN" altLang="en-US" b="1" dirty="0">
+                <a:latin typeface="微软雅黑" panose="020B0503020204020204" pitchFamily="34" charset="-122"/>
+                <a:ea typeface="微软雅黑" panose="020B0503020204020204" pitchFamily="34" charset="-122"/>
+              </a:rPr>
+              <a:t>后端</a:t>
+            </a:r>
+          </a:p>
+        </p:txBody>
+      </p:sp>
+      <p:sp>
+        <p:nvSpPr>
+          <p:cNvPr id="5" name="文本框 4">
+            <a:extLst>
+              <a:ext uri="{FF2B5EF4-FFF2-40B4-BE49-F238E27FC236}">
+                <a16:creationId xmlns:a16="http://schemas.microsoft.com/office/drawing/2014/main" id="{6CD2D592-B0C1-BEEF-D243-1372E2A9E59F}"/>
+              </a:ext>
+            </a:extLst>
+          </p:cNvPr>
+          <p:cNvSpPr txBox="1"/>
+          <p:nvPr/>
+        </p:nvSpPr>
+        <p:spPr>
+          <a:xfrm>
+            <a:off x="838200" y="1930314"/>
+            <a:ext cx="3429000" cy="3410712"/>
+          </a:xfrm>
+          <a:prstGeom prst="rect">
+            <a:avLst/>
+          </a:prstGeom>
+        </p:spPr>
+        <p:txBody>
+          <a:bodyPr vert="horz" lIns="91440" tIns="45720" rIns="91440" bIns="45720" rtlCol="0" anchor="t">
+            <a:normAutofit/>
+          </a:bodyPr>
+          <a:lstStyle/>
+          <a:p>
+            <a:pPr indent="-228600">
+              <a:lnSpc>
+                <a:spcPct val="90000"/>
+              </a:lnSpc>
+              <a:spcAft>
+                <a:spcPts val="600"/>
+              </a:spcAft>
+              <a:buFont typeface="Arial" panose="020B0604020202020204" pitchFamily="34" charset="0"/>
+              <a:buChar char="•"/>
+            </a:pPr>
+            <a:r>
+              <a:rPr lang="zh-CN" altLang="en-US" sz="2400" b="1" dirty="0"/>
+              <a:t>核心功能的实现：搜索商品</a:t>
+            </a:r>
+            <a:endParaRPr lang="en-US" altLang="zh-CN" sz="2400" dirty="0"/>
+          </a:p>
+        </p:txBody>
+      </p:sp>
+      <p:sp>
+        <p:nvSpPr>
+          <p:cNvPr id="3" name="AutoShape 2">
+            <a:extLst>
+              <a:ext uri="{FF2B5EF4-FFF2-40B4-BE49-F238E27FC236}">
+                <a16:creationId xmlns:a16="http://schemas.microsoft.com/office/drawing/2014/main" id="{8C472772-E0E5-A38A-73FD-8EC505352B6F}"/>
+              </a:ext>
+            </a:extLst>
+          </p:cNvPr>
+          <p:cNvSpPr>
+            <a:spLocks noChangeAspect="1" noChangeArrowheads="1"/>
+          </p:cNvSpPr>
+          <p:nvPr/>
+        </p:nvSpPr>
+        <p:spPr bwMode="auto">
+          <a:xfrm>
+            <a:off x="5943600" y="3276600"/>
+            <a:ext cx="304800" cy="304800"/>
+          </a:xfrm>
+          <a:prstGeom prst="rect">
+            <a:avLst/>
+          </a:prstGeom>
+          <a:noFill/>
+          <a:extLst>
+            <a:ext uri="{909E8E84-426E-40DD-AFC4-6F175D3DCCD1}">
+              <a14:hiddenFill xmlns:a14="http://schemas.microsoft.com/office/drawing/2010/main">
+                <a:solidFill>
+                  <a:srgbClr val="FFFFFF"/>
+                </a:solidFill>
+              </a14:hiddenFill>
+            </a:ext>
+          </a:extLst>
+        </p:spPr>
+        <p:txBody>
+          <a:bodyPr vert="horz" wrap="square" lIns="91440" tIns="45720" rIns="91440" bIns="45720" numCol="1" anchor="t" anchorCtr="0" compatLnSpc="1">
+            <a:prstTxWarp prst="textNoShape">
+              <a:avLst/>
+            </a:prstTxWarp>
+          </a:bodyPr>
+          <a:lstStyle/>
+          <a:p>
+            <a:endParaRPr lang="zh-CN" altLang="en-US"/>
+          </a:p>
+        </p:txBody>
+      </p:sp>
+      <p:pic>
+        <p:nvPicPr>
+          <p:cNvPr id="6" name="图片 5" descr="文本&#10;&#10;AI 生成的内容可能不正确。">
+            <a:extLst>
+              <a:ext uri="{FF2B5EF4-FFF2-40B4-BE49-F238E27FC236}">
+                <a16:creationId xmlns:a16="http://schemas.microsoft.com/office/drawing/2014/main" id="{E64FEFE1-B450-56E9-BBD7-9BA40D37946F}"/>
+              </a:ext>
+            </a:extLst>
+          </p:cNvPr>
+          <p:cNvPicPr>
+            <a:picLocks noChangeAspect="1"/>
+          </p:cNvPicPr>
+          <p:nvPr/>
+        </p:nvPicPr>
+        <p:blipFill>
+          <a:blip r:embed="rId2"/>
+          <a:stretch>
+            <a:fillRect/>
+          </a:stretch>
+        </p:blipFill>
+        <p:spPr>
+          <a:xfrm>
+            <a:off x="5815965" y="0"/>
+            <a:ext cx="5537835" cy="6858000"/>
+          </a:xfrm>
+          <a:prstGeom prst="rect">
+            <a:avLst/>
+          </a:prstGeom>
+        </p:spPr>
+      </p:pic>
+    </p:spTree>
+    <p:extLst>
+      <p:ext uri="{BB962C8B-B14F-4D97-AF65-F5344CB8AC3E}">
+        <p14:creationId xmlns:p14="http://schemas.microsoft.com/office/powerpoint/2010/main" val="3401456217"/>
+      </p:ext>
+    </p:extLst>
+  </p:cSld>
+  <p:clrMapOvr>
+    <a:masterClrMapping/>
+  </p:clrMapOvr>
+</p:sld>
+</file>
+
+<file path=ppt/slides/slide18.xml><?xml version="1.0" encoding="utf-8"?>
+<p:sld xmlns:a="http://schemas.openxmlformats.org/drawingml/2006/main" xmlns:r="http://schemas.openxmlformats.org/officeDocument/2006/relationships" xmlns:p="http://schemas.openxmlformats.org/presentationml/2006/main">
+  <p:cSld>
+    <p:spTree>
+      <p:nvGrpSpPr>
+        <p:cNvPr id="1" name="">
+          <a:extLst>
+            <a:ext uri="{FF2B5EF4-FFF2-40B4-BE49-F238E27FC236}">
+              <a16:creationId xmlns:a16="http://schemas.microsoft.com/office/drawing/2014/main" id="{CFE0A24B-B23F-EC92-2AD9-532490223B3F}"/>
+            </a:ext>
+          </a:extLst>
+        </p:cNvPr>
+        <p:cNvGrpSpPr/>
+        <p:nvPr/>
+      </p:nvGrpSpPr>
+      <p:grpSpPr>
+        <a:xfrm>
+          <a:off x="0" y="0"/>
+          <a:ext cx="0" cy="0"/>
+          <a:chOff x="0" y="0"/>
+          <a:chExt cx="0" cy="0"/>
+        </a:xfrm>
+      </p:grpSpPr>
+      <p:sp>
+        <p:nvSpPr>
+          <p:cNvPr id="2" name="标题 1">
+            <a:extLst>
+              <a:ext uri="{FF2B5EF4-FFF2-40B4-BE49-F238E27FC236}">
+                <a16:creationId xmlns:a16="http://schemas.microsoft.com/office/drawing/2014/main" id="{CCE6DE87-8A58-41D8-DFE1-5C143297C6A0}"/>
+              </a:ext>
+            </a:extLst>
+          </p:cNvPr>
+          <p:cNvSpPr>
+            <a:spLocks noGrp="1"/>
+          </p:cNvSpPr>
+          <p:nvPr>
+            <p:ph type="title"/>
+          </p:nvPr>
+        </p:nvSpPr>
+        <p:spPr>
+          <a:xfrm>
+            <a:off x="630936" y="639520"/>
+            <a:ext cx="3429000" cy="1013789"/>
+          </a:xfrm>
+        </p:spPr>
+        <p:txBody>
+          <a:bodyPr vert="horz" lIns="91440" tIns="45720" rIns="91440" bIns="45720" rtlCol="0" anchor="b">
+            <a:normAutofit/>
+          </a:bodyPr>
+          <a:lstStyle/>
+          <a:p>
+            <a:r>
+              <a:rPr lang="zh-CN" altLang="en-US" b="1" dirty="0">
+                <a:latin typeface="微软雅黑" panose="020B0503020204020204" pitchFamily="34" charset="-122"/>
+                <a:ea typeface="微软雅黑" panose="020B0503020204020204" pitchFamily="34" charset="-122"/>
+              </a:rPr>
+              <a:t>后端</a:t>
+            </a:r>
+          </a:p>
+        </p:txBody>
+      </p:sp>
+      <p:sp>
+        <p:nvSpPr>
+          <p:cNvPr id="5" name="文本框 4">
+            <a:extLst>
+              <a:ext uri="{FF2B5EF4-FFF2-40B4-BE49-F238E27FC236}">
+                <a16:creationId xmlns:a16="http://schemas.microsoft.com/office/drawing/2014/main" id="{FC84B181-5A59-F579-B0F6-0FAB71E9D11D}"/>
+              </a:ext>
+            </a:extLst>
+          </p:cNvPr>
+          <p:cNvSpPr txBox="1"/>
+          <p:nvPr/>
+        </p:nvSpPr>
+        <p:spPr>
+          <a:xfrm>
+            <a:off x="838200" y="1930314"/>
+            <a:ext cx="3429000" cy="3410712"/>
+          </a:xfrm>
+          <a:prstGeom prst="rect">
+            <a:avLst/>
+          </a:prstGeom>
+        </p:spPr>
+        <p:txBody>
+          <a:bodyPr vert="horz" lIns="91440" tIns="45720" rIns="91440" bIns="45720" rtlCol="0" anchor="t">
+            <a:normAutofit/>
+          </a:bodyPr>
+          <a:lstStyle/>
+          <a:p>
+            <a:pPr indent="-228600">
+              <a:lnSpc>
+                <a:spcPct val="90000"/>
+              </a:lnSpc>
+              <a:spcAft>
+                <a:spcPts val="600"/>
+              </a:spcAft>
+              <a:buFont typeface="Arial" panose="020B0604020202020204" pitchFamily="34" charset="0"/>
+              <a:buChar char="•"/>
+            </a:pPr>
+            <a:r>
+              <a:rPr lang="zh-CN" altLang="en-US" sz="2400" b="1" dirty="0"/>
+              <a:t>核心功能的实现：加载消息</a:t>
+            </a:r>
+            <a:endParaRPr lang="en-US" altLang="zh-CN" sz="2400" dirty="0"/>
+          </a:p>
+        </p:txBody>
+      </p:sp>
+      <p:sp>
+        <p:nvSpPr>
+          <p:cNvPr id="3" name="AutoShape 2">
+            <a:extLst>
+              <a:ext uri="{FF2B5EF4-FFF2-40B4-BE49-F238E27FC236}">
+                <a16:creationId xmlns:a16="http://schemas.microsoft.com/office/drawing/2014/main" id="{31F86B37-4A71-1482-3C43-1CFB788332ED}"/>
+              </a:ext>
+            </a:extLst>
+          </p:cNvPr>
+          <p:cNvSpPr>
+            <a:spLocks noChangeAspect="1" noChangeArrowheads="1"/>
+          </p:cNvSpPr>
+          <p:nvPr/>
+        </p:nvSpPr>
+        <p:spPr bwMode="auto">
+          <a:xfrm>
+            <a:off x="5943600" y="3276600"/>
+            <a:ext cx="304800" cy="304800"/>
+          </a:xfrm>
+          <a:prstGeom prst="rect">
+            <a:avLst/>
+          </a:prstGeom>
+          <a:noFill/>
+          <a:extLst>
+            <a:ext uri="{909E8E84-426E-40DD-AFC4-6F175D3DCCD1}">
+              <a14:hiddenFill xmlns:a14="http://schemas.microsoft.com/office/drawing/2010/main">
+                <a:solidFill>
+                  <a:srgbClr val="FFFFFF"/>
+                </a:solidFill>
+              </a14:hiddenFill>
+            </a:ext>
+          </a:extLst>
+        </p:spPr>
+        <p:txBody>
+          <a:bodyPr vert="horz" wrap="square" lIns="91440" tIns="45720" rIns="91440" bIns="45720" numCol="1" anchor="t" anchorCtr="0" compatLnSpc="1">
+            <a:prstTxWarp prst="textNoShape">
+              <a:avLst/>
+            </a:prstTxWarp>
+          </a:bodyPr>
+          <a:lstStyle/>
+          <a:p>
+            <a:endParaRPr lang="zh-CN" altLang="en-US"/>
+          </a:p>
+        </p:txBody>
+      </p:sp>
+      <p:pic>
+        <p:nvPicPr>
+          <p:cNvPr id="4" name="图片 3" descr="文本&#10;&#10;AI 生成的内容可能不正确。">
+            <a:extLst>
+              <a:ext uri="{FF2B5EF4-FFF2-40B4-BE49-F238E27FC236}">
+                <a16:creationId xmlns:a16="http://schemas.microsoft.com/office/drawing/2014/main" id="{B0E92CC4-5CFD-34CD-F850-358E2225135E}"/>
+              </a:ext>
+            </a:extLst>
+          </p:cNvPr>
+          <p:cNvPicPr>
+            <a:picLocks noChangeAspect="1"/>
+          </p:cNvPicPr>
+          <p:nvPr/>
+        </p:nvPicPr>
+        <p:blipFill>
+          <a:blip r:embed="rId2"/>
+          <a:stretch>
+            <a:fillRect/>
+          </a:stretch>
+        </p:blipFill>
+        <p:spPr>
+          <a:xfrm>
+            <a:off x="4807377" y="537737"/>
+            <a:ext cx="6649378" cy="6087325"/>
+          </a:xfrm>
+          <a:prstGeom prst="rect">
+            <a:avLst/>
+          </a:prstGeom>
+        </p:spPr>
+      </p:pic>
+    </p:spTree>
+    <p:extLst>
+      <p:ext uri="{BB962C8B-B14F-4D97-AF65-F5344CB8AC3E}">
+        <p14:creationId xmlns:p14="http://schemas.microsoft.com/office/powerpoint/2010/main" val="2020583266"/>
+      </p:ext>
+    </p:extLst>
+  </p:cSld>
+  <p:clrMapOvr>
+    <a:masterClrMapping/>
+  </p:clrMapOvr>
+</p:sld>
+</file>
+
+<file path=ppt/slides/slide19.xml><?xml version="1.0" encoding="utf-8"?>
+<p:sld xmlns:a="http://schemas.openxmlformats.org/drawingml/2006/main" xmlns:r="http://schemas.openxmlformats.org/officeDocument/2006/relationships" xmlns:p="http://schemas.openxmlformats.org/presentationml/2006/main">
+  <p:cSld>
+    <p:spTree>
+      <p:nvGrpSpPr>
+        <p:cNvPr id="1" name="">
+          <a:extLst>
+            <a:ext uri="{FF2B5EF4-FFF2-40B4-BE49-F238E27FC236}">
+              <a16:creationId xmlns:a16="http://schemas.microsoft.com/office/drawing/2014/main" id="{21A4F595-4430-96B3-A360-68F6F7CDD8D7}"/>
+            </a:ext>
+          </a:extLst>
+        </p:cNvPr>
+        <p:cNvGrpSpPr/>
+        <p:nvPr/>
+      </p:nvGrpSpPr>
+      <p:grpSpPr>
+        <a:xfrm>
+          <a:off x="0" y="0"/>
+          <a:ext cx="0" cy="0"/>
+          <a:chOff x="0" y="0"/>
+          <a:chExt cx="0" cy="0"/>
+        </a:xfrm>
+      </p:grpSpPr>
+      <p:sp>
+        <p:nvSpPr>
+          <p:cNvPr id="2" name="标题 1">
+            <a:extLst>
+              <a:ext uri="{FF2B5EF4-FFF2-40B4-BE49-F238E27FC236}">
+                <a16:creationId xmlns:a16="http://schemas.microsoft.com/office/drawing/2014/main" id="{ECA8A505-E4F3-F1C2-12BF-C0DC1AF09A79}"/>
+              </a:ext>
+            </a:extLst>
+          </p:cNvPr>
+          <p:cNvSpPr>
+            <a:spLocks noGrp="1"/>
+          </p:cNvSpPr>
+          <p:nvPr>
+            <p:ph type="title"/>
+          </p:nvPr>
+        </p:nvSpPr>
+        <p:spPr>
+          <a:xfrm>
+            <a:off x="630936" y="639520"/>
+            <a:ext cx="3429000" cy="1013789"/>
+          </a:xfrm>
+        </p:spPr>
+        <p:txBody>
+          <a:bodyPr vert="horz" lIns="91440" tIns="45720" rIns="91440" bIns="45720" rtlCol="0" anchor="b">
+            <a:normAutofit/>
+          </a:bodyPr>
+          <a:lstStyle/>
+          <a:p>
+            <a:r>
+              <a:rPr lang="zh-CN" altLang="en-US" b="1" dirty="0">
+                <a:latin typeface="微软雅黑" panose="020B0503020204020204" pitchFamily="34" charset="-122"/>
+                <a:ea typeface="微软雅黑" panose="020B0503020204020204" pitchFamily="34" charset="-122"/>
+              </a:rPr>
+              <a:t>后端</a:t>
+            </a:r>
+          </a:p>
+        </p:txBody>
+      </p:sp>
+      <p:sp>
+        <p:nvSpPr>
+          <p:cNvPr id="5" name="文本框 4">
+            <a:extLst>
+              <a:ext uri="{FF2B5EF4-FFF2-40B4-BE49-F238E27FC236}">
+                <a16:creationId xmlns:a16="http://schemas.microsoft.com/office/drawing/2014/main" id="{5364539D-D07B-F192-0E14-2F69B29D52D6}"/>
+              </a:ext>
+            </a:extLst>
+          </p:cNvPr>
+          <p:cNvSpPr txBox="1"/>
+          <p:nvPr/>
+        </p:nvSpPr>
+        <p:spPr>
+          <a:xfrm>
+            <a:off x="838200" y="1930314"/>
+            <a:ext cx="3429000" cy="3410712"/>
+          </a:xfrm>
+          <a:prstGeom prst="rect">
+            <a:avLst/>
+          </a:prstGeom>
+        </p:spPr>
+        <p:txBody>
+          <a:bodyPr vert="horz" lIns="91440" tIns="45720" rIns="91440" bIns="45720" rtlCol="0" anchor="t">
+            <a:normAutofit/>
+          </a:bodyPr>
+          <a:lstStyle/>
+          <a:p>
+            <a:pPr indent="-228600">
+              <a:lnSpc>
+                <a:spcPct val="90000"/>
+              </a:lnSpc>
+              <a:spcAft>
+                <a:spcPts val="600"/>
+              </a:spcAft>
+              <a:buFont typeface="Arial" panose="020B0604020202020204" pitchFamily="34" charset="0"/>
+              <a:buChar char="•"/>
+            </a:pPr>
+            <a:r>
+              <a:rPr lang="zh-CN" altLang="en-US" sz="2400" b="1" dirty="0"/>
+              <a:t>触发器的实现</a:t>
+            </a:r>
+            <a:endParaRPr lang="en-US" altLang="zh-CN" sz="2400" dirty="0"/>
+          </a:p>
+        </p:txBody>
+      </p:sp>
+      <p:sp>
+        <p:nvSpPr>
+          <p:cNvPr id="3" name="AutoShape 2">
+            <a:extLst>
+              <a:ext uri="{FF2B5EF4-FFF2-40B4-BE49-F238E27FC236}">
+                <a16:creationId xmlns:a16="http://schemas.microsoft.com/office/drawing/2014/main" id="{427B5AB4-1C93-C812-CC01-DA0E0538D46E}"/>
+              </a:ext>
+            </a:extLst>
+          </p:cNvPr>
+          <p:cNvSpPr>
+            <a:spLocks noChangeAspect="1" noChangeArrowheads="1"/>
+          </p:cNvSpPr>
+          <p:nvPr/>
+        </p:nvSpPr>
+        <p:spPr bwMode="auto">
+          <a:xfrm>
+            <a:off x="5943600" y="3276600"/>
+            <a:ext cx="304800" cy="304800"/>
+          </a:xfrm>
+          <a:prstGeom prst="rect">
+            <a:avLst/>
+          </a:prstGeom>
+          <a:noFill/>
+          <a:extLst>
+            <a:ext uri="{909E8E84-426E-40DD-AFC4-6F175D3DCCD1}">
+              <a14:hiddenFill xmlns:a14="http://schemas.microsoft.com/office/drawing/2010/main">
+                <a:solidFill>
+                  <a:srgbClr val="FFFFFF"/>
+                </a:solidFill>
+              </a14:hiddenFill>
+            </a:ext>
+          </a:extLst>
+        </p:spPr>
+        <p:txBody>
+          <a:bodyPr vert="horz" wrap="square" lIns="91440" tIns="45720" rIns="91440" bIns="45720" numCol="1" anchor="t" anchorCtr="0" compatLnSpc="1">
+            <a:prstTxWarp prst="textNoShape">
+              <a:avLst/>
+            </a:prstTxWarp>
+          </a:bodyPr>
+          <a:lstStyle/>
+          <a:p>
+            <a:endParaRPr lang="zh-CN" altLang="en-US"/>
+          </a:p>
+        </p:txBody>
+      </p:sp>
+      <p:pic>
+        <p:nvPicPr>
+          <p:cNvPr id="7" name="图片 6" descr="文本&#10;&#10;AI 生成的内容可能不正确。">
+            <a:extLst>
+              <a:ext uri="{FF2B5EF4-FFF2-40B4-BE49-F238E27FC236}">
+                <a16:creationId xmlns:a16="http://schemas.microsoft.com/office/drawing/2014/main" id="{D7CCC209-0921-C529-85C1-1D559BB0CEF9}"/>
+              </a:ext>
+            </a:extLst>
+          </p:cNvPr>
+          <p:cNvPicPr>
+            <a:picLocks noChangeAspect="1"/>
+          </p:cNvPicPr>
+          <p:nvPr/>
+        </p:nvPicPr>
+        <p:blipFill>
+          <a:blip r:embed="rId2"/>
+          <a:stretch>
+            <a:fillRect/>
+          </a:stretch>
+        </p:blipFill>
+        <p:spPr>
+          <a:xfrm>
+            <a:off x="5126006" y="1323011"/>
+            <a:ext cx="5462323" cy="1835979"/>
+          </a:xfrm>
+          <a:prstGeom prst="rect">
+            <a:avLst/>
+          </a:prstGeom>
+        </p:spPr>
+      </p:pic>
+      <p:pic>
+        <p:nvPicPr>
+          <p:cNvPr id="9" name="图片 8" descr="文本&#10;&#10;AI 生成的内容可能不正确。">
+            <a:extLst>
+              <a:ext uri="{FF2B5EF4-FFF2-40B4-BE49-F238E27FC236}">
+                <a16:creationId xmlns:a16="http://schemas.microsoft.com/office/drawing/2014/main" id="{6A18D694-71F7-743F-47D5-E0882EBA28EC}"/>
+              </a:ext>
+            </a:extLst>
+          </p:cNvPr>
+          <p:cNvPicPr>
+            <a:picLocks noChangeAspect="1"/>
+          </p:cNvPicPr>
+          <p:nvPr/>
+        </p:nvPicPr>
+        <p:blipFill>
+          <a:blip r:embed="rId3"/>
+          <a:stretch>
+            <a:fillRect/>
+          </a:stretch>
+        </p:blipFill>
+        <p:spPr>
+          <a:xfrm>
+            <a:off x="5126006" y="3276600"/>
+            <a:ext cx="4784612" cy="1489819"/>
+          </a:xfrm>
+          <a:prstGeom prst="rect">
+            <a:avLst/>
+          </a:prstGeom>
+        </p:spPr>
+      </p:pic>
+    </p:spTree>
+    <p:extLst>
+      <p:ext uri="{BB962C8B-B14F-4D97-AF65-F5344CB8AC3E}">
+        <p14:creationId xmlns:p14="http://schemas.microsoft.com/office/powerpoint/2010/main" val="1510478774"/>
       </p:ext>
     </p:extLst>
   </p:cSld>
@@ -4953,93 +6231,157 @@
         </p:nvSpPr>
         <p:spPr/>
         <p:txBody>
+          <a:bodyPr>
+            <a:normAutofit/>
+          </a:bodyPr>
+          <a:lstStyle/>
+          <a:p>
+            <a:r>
+              <a:rPr lang="zh-CN" altLang="en-US" b="1" dirty="0">
+                <a:latin typeface="微软雅黑" panose="020B0503020204020204" pitchFamily="34" charset="-122"/>
+                <a:ea typeface="微软雅黑" panose="020B0503020204020204" pitchFamily="34" charset="-122"/>
+              </a:rPr>
+              <a:t>分工与工作量</a:t>
+            </a:r>
+          </a:p>
+        </p:txBody>
+      </p:sp>
+      <p:sp>
+        <p:nvSpPr>
+          <p:cNvPr id="3" name="内容占位符 2">
+            <a:extLst>
+              <a:ext uri="{FF2B5EF4-FFF2-40B4-BE49-F238E27FC236}">
+                <a16:creationId xmlns:a16="http://schemas.microsoft.com/office/drawing/2014/main" id="{7856FF1A-72E0-049A-2245-8DB16384D161}"/>
+              </a:ext>
+            </a:extLst>
+          </p:cNvPr>
+          <p:cNvSpPr>
+            <a:spLocks noGrp="1"/>
+          </p:cNvSpPr>
+          <p:nvPr>
+            <p:ph idx="1"/>
+          </p:nvPr>
+        </p:nvSpPr>
+        <p:spPr>
+          <a:xfrm>
+            <a:off x="0" y="1779444"/>
+            <a:ext cx="10515600" cy="4351338"/>
+          </a:xfrm>
+        </p:spPr>
+        <p:txBody>
           <a:bodyPr/>
           <a:lstStyle/>
           <a:p>
+            <a:pPr marL="0" indent="0">
+              <a:buNone/>
+            </a:pPr>
+            <a:r>
+              <a:rPr lang="en-US" altLang="zh-CN" sz="3200" dirty="0">
+                <a:latin typeface="微软雅黑" panose="020B0503020204020204" pitchFamily="34" charset="-122"/>
+                <a:ea typeface="微软雅黑" panose="020B0503020204020204" pitchFamily="34" charset="-122"/>
+              </a:rPr>
+              <a:t>    23373526-</a:t>
+            </a:r>
+            <a:r>
+              <a:rPr lang="zh-CN" altLang="en-US" sz="3200" dirty="0">
+                <a:latin typeface="微软雅黑" panose="020B0503020204020204" pitchFamily="34" charset="-122"/>
+                <a:ea typeface="微软雅黑" panose="020B0503020204020204" pitchFamily="34" charset="-122"/>
+              </a:rPr>
+              <a:t>华家璇 </a:t>
+            </a:r>
+            <a:endParaRPr lang="en-US" altLang="zh-CN" sz="3200" dirty="0">
+              <a:latin typeface="微软雅黑" panose="020B0503020204020204" pitchFamily="34" charset="-122"/>
+              <a:ea typeface="微软雅黑" panose="020B0503020204020204" pitchFamily="34" charset="-122"/>
+            </a:endParaRPr>
+          </a:p>
+          <a:p>
+            <a:pPr marL="457200" lvl="1" indent="0">
+              <a:buNone/>
+            </a:pPr>
+            <a:endParaRPr lang="en-US" altLang="zh-CN" dirty="0"/>
+          </a:p>
+          <a:p>
+            <a:pPr marL="457200" lvl="1" indent="0">
+              <a:buNone/>
+            </a:pPr>
+            <a:r>
+              <a:rPr lang="zh-CN" altLang="en-US" sz="3200" dirty="0">
+                <a:latin typeface="微软雅黑" panose="020B0503020204020204" pitchFamily="34" charset="-122"/>
+                <a:ea typeface="微软雅黑" panose="020B0503020204020204" pitchFamily="34" charset="-122"/>
+              </a:rPr>
+              <a:t>系统功能的设计以及用户管理功能与前端的实现 	</a:t>
+            </a:r>
+            <a:r>
+              <a:rPr lang="en-US" altLang="zh-CN" sz="3200" dirty="0">
+                <a:latin typeface="微软雅黑" panose="020B0503020204020204" pitchFamily="34" charset="-122"/>
+                <a:ea typeface="微软雅黑" panose="020B0503020204020204" pitchFamily="34" charset="-122"/>
+              </a:rPr>
+              <a:t>0.5</a:t>
+            </a:r>
+          </a:p>
+          <a:p>
+            <a:pPr marL="457200" lvl="1" indent="0">
+              <a:buNone/>
+            </a:pPr>
+            <a:endParaRPr lang="en-US" altLang="zh-CN" dirty="0"/>
+          </a:p>
+          <a:p>
+            <a:pPr marL="457200" lvl="1" indent="0">
+              <a:buNone/>
+            </a:pPr>
+            <a:r>
+              <a:rPr lang="en-US" altLang="zh-CN" sz="3200" dirty="0">
+                <a:latin typeface="微软雅黑" panose="020B0503020204020204" pitchFamily="34" charset="-122"/>
+                <a:ea typeface="微软雅黑" panose="020B0503020204020204" pitchFamily="34" charset="-122"/>
+              </a:rPr>
+              <a:t>23371131-</a:t>
+            </a:r>
+            <a:r>
+              <a:rPr lang="zh-CN" altLang="en-US" sz="3200" dirty="0">
+                <a:latin typeface="微软雅黑" panose="020B0503020204020204" pitchFamily="34" charset="-122"/>
+                <a:ea typeface="微软雅黑" panose="020B0503020204020204" pitchFamily="34" charset="-122"/>
+              </a:rPr>
+              <a:t>王宇博</a:t>
+            </a:r>
+            <a:endParaRPr lang="en-US" altLang="zh-CN" sz="3200" dirty="0">
+              <a:latin typeface="微软雅黑" panose="020B0503020204020204" pitchFamily="34" charset="-122"/>
+              <a:ea typeface="微软雅黑" panose="020B0503020204020204" pitchFamily="34" charset="-122"/>
+            </a:endParaRPr>
+          </a:p>
+          <a:p>
+            <a:endParaRPr lang="en-US" altLang="zh-CN" sz="3200" dirty="0">
+              <a:latin typeface="微软雅黑" panose="020B0503020204020204" pitchFamily="34" charset="-122"/>
+              <a:ea typeface="微软雅黑" panose="020B0503020204020204" pitchFamily="34" charset="-122"/>
+            </a:endParaRPr>
+          </a:p>
+          <a:p>
+            <a:pPr marL="0" indent="0">
+              <a:buNone/>
+            </a:pPr>
+            <a:r>
+              <a:rPr lang="zh-CN" altLang="en-US" sz="3200" dirty="0">
+                <a:latin typeface="微软雅黑" panose="020B0503020204020204" pitchFamily="34" charset="-122"/>
+                <a:ea typeface="微软雅黑" panose="020B0503020204020204" pitchFamily="34" charset="-122"/>
+              </a:rPr>
+              <a:t>    系统数据库的设计以及各数据操作功能的实现  </a:t>
+            </a:r>
+            <a:r>
+              <a:rPr lang="en-US" altLang="zh-CN" sz="3200" dirty="0">
+                <a:latin typeface="微软雅黑" panose="020B0503020204020204" pitchFamily="34" charset="-122"/>
+                <a:ea typeface="微软雅黑" panose="020B0503020204020204" pitchFamily="34" charset="-122"/>
+              </a:rPr>
+              <a:t>0.5</a:t>
+            </a:r>
+            <a:r>
+              <a:rPr lang="zh-CN" altLang="en-US" sz="3200" dirty="0">
+                <a:latin typeface="微软雅黑" panose="020B0503020204020204" pitchFamily="34" charset="-122"/>
+                <a:ea typeface="微软雅黑" panose="020B0503020204020204" pitchFamily="34" charset="-122"/>
+              </a:rPr>
+              <a:t> </a:t>
+            </a:r>
             <a:r>
               <a:rPr lang="zh-CN" altLang="en-US" dirty="0"/>
-              <a:t>分工与工作量</a:t>
-            </a:r>
-          </a:p>
-        </p:txBody>
-      </p:sp>
-      <p:sp>
-        <p:nvSpPr>
-          <p:cNvPr id="3" name="内容占位符 2">
-            <a:extLst>
-              <a:ext uri="{FF2B5EF4-FFF2-40B4-BE49-F238E27FC236}">
-                <a16:creationId xmlns:a16="http://schemas.microsoft.com/office/drawing/2014/main" id="{7856FF1A-72E0-049A-2245-8DB16384D161}"/>
-              </a:ext>
-            </a:extLst>
-          </p:cNvPr>
-          <p:cNvSpPr>
-            <a:spLocks noGrp="1"/>
-          </p:cNvSpPr>
-          <p:nvPr>
-            <p:ph idx="1"/>
-          </p:nvPr>
-        </p:nvSpPr>
-        <p:spPr/>
-        <p:txBody>
-          <a:bodyPr/>
-          <a:lstStyle/>
-          <a:p>
-            <a:r>
-              <a:rPr lang="zh-CN" altLang="en-US" dirty="0"/>
-              <a:t> </a:t>
-            </a:r>
-            <a:r>
-              <a:rPr lang="en-US" altLang="zh-CN" dirty="0"/>
-              <a:t>23373526-</a:t>
-            </a:r>
-            <a:r>
-              <a:rPr lang="zh-CN" altLang="en-US" dirty="0"/>
-              <a:t>华家璇 </a:t>
-            </a:r>
-            <a:endParaRPr lang="en-US" altLang="zh-CN" dirty="0"/>
-          </a:p>
-          <a:p>
-            <a:endParaRPr lang="en-US" altLang="zh-CN" dirty="0"/>
-          </a:p>
-          <a:p>
-            <a:r>
-              <a:rPr lang="zh-CN" altLang="en-US" dirty="0"/>
-              <a:t>系统功能的设计以及用户管理功能与前端的实现 	</a:t>
-            </a:r>
-            <a:r>
-              <a:rPr lang="en-US" altLang="zh-CN" dirty="0"/>
-              <a:t>0.5</a:t>
-            </a:r>
-          </a:p>
-          <a:p>
-            <a:endParaRPr lang="en-US" altLang="zh-CN" dirty="0"/>
-          </a:p>
-          <a:p>
-            <a:r>
-              <a:rPr lang="en-US" altLang="zh-CN" dirty="0"/>
-              <a:t>23371111-</a:t>
-            </a:r>
-            <a:r>
-              <a:rPr lang="zh-CN" altLang="en-US" dirty="0"/>
-              <a:t>王宇博</a:t>
-            </a:r>
-            <a:endParaRPr lang="en-US" altLang="zh-CN" dirty="0"/>
-          </a:p>
-          <a:p>
-            <a:endParaRPr lang="en-US" altLang="zh-CN" dirty="0"/>
-          </a:p>
-          <a:p>
-            <a:r>
-              <a:rPr lang="zh-CN" altLang="en-US" dirty="0"/>
-              <a:t>系统数据库的设计以及各数据操作功能的实现  </a:t>
-            </a:r>
-            <a:r>
-              <a:rPr lang="en-US" altLang="zh-CN" dirty="0"/>
-              <a:t>0.5</a:t>
-            </a:r>
-            <a:r>
-              <a:rPr lang="zh-CN" altLang="en-US" dirty="0"/>
-              <a:t> 	</a:t>
+              <a:t>	</a:t>
             </a:r>
           </a:p>
           <a:p>
@@ -5053,6 +6395,648 @@
         <p14:creationId xmlns:p14="http://schemas.microsoft.com/office/powerpoint/2010/main" val="3918185388"/>
       </p:ext>
     </p:extLst>
+  </p:cSld>
+  <p:clrMapOvr>
+    <a:masterClrMapping/>
+  </p:clrMapOvr>
+</p:sld>
+</file>
+
+<file path=ppt/slides/slide20.xml><?xml version="1.0" encoding="utf-8"?>
+<p:sld xmlns:a="http://schemas.openxmlformats.org/drawingml/2006/main" xmlns:r="http://schemas.openxmlformats.org/officeDocument/2006/relationships" xmlns:p="http://schemas.openxmlformats.org/presentationml/2006/main">
+  <p:cSld>
+    <p:spTree>
+      <p:nvGrpSpPr>
+        <p:cNvPr id="1" name=""/>
+        <p:cNvGrpSpPr/>
+        <p:nvPr/>
+      </p:nvGrpSpPr>
+      <p:grpSpPr>
+        <a:xfrm>
+          <a:off x="0" y="0"/>
+          <a:ext cx="0" cy="0"/>
+          <a:chOff x="0" y="0"/>
+          <a:chExt cx="0" cy="0"/>
+        </a:xfrm>
+      </p:grpSpPr>
+      <p:sp>
+        <p:nvSpPr>
+          <p:cNvPr id="42" name="矩形 41"/>
+          <p:cNvSpPr/>
+          <p:nvPr/>
+        </p:nvSpPr>
+        <p:spPr>
+          <a:xfrm>
+            <a:off x="0" y="1728056"/>
+            <a:ext cx="12192000" cy="3555144"/>
+          </a:xfrm>
+          <a:prstGeom prst="rect">
+            <a:avLst/>
+          </a:prstGeom>
+          <a:ln>
+            <a:noFill/>
+          </a:ln>
+        </p:spPr>
+        <p:style>
+          <a:lnRef idx="2">
+            <a:schemeClr val="accent1">
+              <a:shade val="50000"/>
+            </a:schemeClr>
+          </a:lnRef>
+          <a:fillRef idx="1">
+            <a:schemeClr val="accent1"/>
+          </a:fillRef>
+          <a:effectRef idx="0">
+            <a:schemeClr val="accent1"/>
+          </a:effectRef>
+          <a:fontRef idx="minor">
+            <a:schemeClr val="lt1"/>
+          </a:fontRef>
+        </p:style>
+        <p:txBody>
+          <a:bodyPr rtlCol="0" anchor="ctr"/>
+          <a:lstStyle/>
+          <a:p>
+            <a:pPr algn="ctr"/>
+            <a:endParaRPr lang="zh-CN" altLang="en-US" sz="2400">
+              <a:latin typeface="思源黑体" panose="020B0500000000000000" pitchFamily="34" charset="-122"/>
+              <a:ea typeface="思源黑体" panose="020B0500000000000000" pitchFamily="34" charset="-122"/>
+              <a:sym typeface="思源黑体" panose="020B0500000000000000" pitchFamily="34" charset="-122"/>
+            </a:endParaRPr>
+          </a:p>
+        </p:txBody>
+      </p:sp>
+      <p:sp>
+        <p:nvSpPr>
+          <p:cNvPr id="43" name="矩形 42"/>
+          <p:cNvSpPr/>
+          <p:nvPr/>
+        </p:nvSpPr>
+        <p:spPr bwMode="auto">
+          <a:xfrm>
+            <a:off x="4821249" y="2961310"/>
+            <a:ext cx="2646878" cy="830997"/>
+          </a:xfrm>
+          <a:prstGeom prst="rect">
+            <a:avLst/>
+          </a:prstGeom>
+        </p:spPr>
+        <p:txBody>
+          <a:bodyPr wrap="none">
+            <a:spAutoFit/>
+          </a:bodyPr>
+          <a:lstStyle/>
+          <a:p>
+            <a:pPr algn="ctr">
+              <a:defRPr/>
+            </a:pPr>
+            <a:r>
+              <a:rPr lang="zh-CN" altLang="en-US" sz="4800" b="1" kern="100" dirty="0">
+                <a:solidFill>
+                  <a:schemeClr val="bg1"/>
+                </a:solidFill>
+                <a:latin typeface="思源黑体" panose="020B0500000000000000" pitchFamily="34" charset="-122"/>
+                <a:ea typeface="思源黑体" panose="020B0500000000000000" pitchFamily="34" charset="-122"/>
+                <a:cs typeface="Times New Roman" panose="02020603050405020304" pitchFamily="18" charset="0"/>
+                <a:sym typeface="思源黑体" panose="020B0500000000000000" pitchFamily="34" charset="-122"/>
+              </a:rPr>
+              <a:t>感谢聆听</a:t>
+            </a:r>
+          </a:p>
+        </p:txBody>
+      </p:sp>
+      <p:sp>
+        <p:nvSpPr>
+          <p:cNvPr id="44" name="矩形 43"/>
+          <p:cNvSpPr/>
+          <p:nvPr/>
+        </p:nvSpPr>
+        <p:spPr>
+          <a:xfrm>
+            <a:off x="3004292" y="3840337"/>
+            <a:ext cx="6183416" cy="338554"/>
+          </a:xfrm>
+          <a:prstGeom prst="rect">
+            <a:avLst/>
+          </a:prstGeom>
+        </p:spPr>
+        <p:txBody>
+          <a:bodyPr wrap="square">
+            <a:spAutoFit/>
+          </a:bodyPr>
+          <a:lstStyle/>
+          <a:p>
+            <a:pPr algn="ctr"/>
+            <a:r>
+              <a:rPr lang="en-US" altLang="zh-CN" sz="1600" spc="800" dirty="0">
+                <a:solidFill>
+                  <a:schemeClr val="bg1"/>
+                </a:solidFill>
+                <a:latin typeface="思源黑体" panose="020B0500000000000000" pitchFamily="34" charset="-122"/>
+                <a:ea typeface="思源黑体" panose="020B0500000000000000" pitchFamily="34" charset="-122"/>
+                <a:sym typeface="思源黑体" panose="020B0500000000000000" pitchFamily="34" charset="-122"/>
+              </a:rPr>
+              <a:t>THANK YOU FOR WATCHING</a:t>
+            </a:r>
+          </a:p>
+        </p:txBody>
+      </p:sp>
+      <p:cxnSp>
+        <p:nvCxnSpPr>
+          <p:cNvPr id="48" name="直接连接符 47"/>
+          <p:cNvCxnSpPr/>
+          <p:nvPr/>
+        </p:nvCxnSpPr>
+        <p:spPr>
+          <a:xfrm>
+            <a:off x="5973826" y="4548536"/>
+            <a:ext cx="348343" cy="0"/>
+          </a:xfrm>
+          <a:prstGeom prst="line">
+            <a:avLst/>
+          </a:prstGeom>
+          <a:ln w="19050">
+            <a:solidFill>
+              <a:srgbClr val="29323F"/>
+            </a:solidFill>
+          </a:ln>
+        </p:spPr>
+        <p:style>
+          <a:lnRef idx="1">
+            <a:schemeClr val="accent1"/>
+          </a:lnRef>
+          <a:fillRef idx="0">
+            <a:schemeClr val="accent1"/>
+          </a:fillRef>
+          <a:effectRef idx="0">
+            <a:schemeClr val="accent1"/>
+          </a:effectRef>
+          <a:fontRef idx="minor">
+            <a:schemeClr val="tx1"/>
+          </a:fontRef>
+        </p:style>
+      </p:cxnSp>
+      <p:sp>
+        <p:nvSpPr>
+          <p:cNvPr id="51" name="椭圆 50"/>
+          <p:cNvSpPr/>
+          <p:nvPr/>
+        </p:nvSpPr>
+        <p:spPr>
+          <a:xfrm>
+            <a:off x="5180857" y="786474"/>
+            <a:ext cx="1927655" cy="1927655"/>
+          </a:xfrm>
+          <a:prstGeom prst="ellipse">
+            <a:avLst/>
+          </a:prstGeom>
+          <a:solidFill>
+            <a:schemeClr val="accent1"/>
+          </a:solidFill>
+          <a:ln w="57150">
+            <a:solidFill>
+              <a:srgbClr val="F8F8F9"/>
+            </a:solidFill>
+          </a:ln>
+          <a:effectLst>
+            <a:outerShdw blurRad="101600" dist="101600" dir="5400000" algn="t" rotWithShape="0">
+              <a:prstClr val="black">
+                <a:alpha val="40000"/>
+              </a:prstClr>
+            </a:outerShdw>
+          </a:effectLst>
+        </p:spPr>
+        <p:style>
+          <a:lnRef idx="2">
+            <a:schemeClr val="accent1">
+              <a:shade val="50000"/>
+            </a:schemeClr>
+          </a:lnRef>
+          <a:fillRef idx="1">
+            <a:schemeClr val="accent1"/>
+          </a:fillRef>
+          <a:effectRef idx="0">
+            <a:schemeClr val="accent1"/>
+          </a:effectRef>
+          <a:fontRef idx="minor">
+            <a:schemeClr val="lt1"/>
+          </a:fontRef>
+        </p:style>
+        <p:txBody>
+          <a:bodyPr rot="0" spcFirstLastPara="0" vertOverflow="overflow" horzOverflow="overflow" vert="horz" wrap="square" lIns="121920" tIns="60960" rIns="121920" bIns="60960" numCol="1" spcCol="0" rtlCol="0" fromWordArt="0" anchor="ctr" anchorCtr="0" forceAA="0" compatLnSpc="1">
+            <a:noAutofit/>
+          </a:bodyPr>
+          <a:lstStyle/>
+          <a:p>
+            <a:pPr algn="ctr"/>
+            <a:endParaRPr lang="zh-CN" altLang="en-US" sz="2400">
+              <a:latin typeface="思源黑体" panose="020B0500000000000000" pitchFamily="34" charset="-122"/>
+              <a:ea typeface="思源黑体" panose="020B0500000000000000" pitchFamily="34" charset="-122"/>
+              <a:sym typeface="思源黑体" panose="020B0500000000000000" pitchFamily="34" charset="-122"/>
+            </a:endParaRPr>
+          </a:p>
+        </p:txBody>
+      </p:sp>
+      <p:sp>
+        <p:nvSpPr>
+          <p:cNvPr id="57" name="medal-of-award_49824"/>
+          <p:cNvSpPr>
+            <a:spLocks noChangeAspect="1"/>
+          </p:cNvSpPr>
+          <p:nvPr/>
+        </p:nvSpPr>
+        <p:spPr bwMode="auto">
+          <a:xfrm>
+            <a:off x="5420035" y="1351280"/>
+            <a:ext cx="1473851" cy="854141"/>
+          </a:xfrm>
+          <a:custGeom>
+            <a:avLst/>
+            <a:gdLst>
+              <a:gd name="connsiteX0" fmla="*/ 104550 w 604718"/>
+              <a:gd name="connsiteY0" fmla="*/ 208330 h 382112"/>
+              <a:gd name="connsiteX1" fmla="*/ 156180 w 604718"/>
+              <a:gd name="connsiteY1" fmla="*/ 208330 h 382112"/>
+              <a:gd name="connsiteX2" fmla="*/ 261642 w 604718"/>
+              <a:gd name="connsiteY2" fmla="*/ 248878 h 382112"/>
+              <a:gd name="connsiteX3" fmla="*/ 298947 w 604718"/>
+              <a:gd name="connsiteY3" fmla="*/ 255007 h 382112"/>
+              <a:gd name="connsiteX4" fmla="*/ 340187 w 604718"/>
+              <a:gd name="connsiteY4" fmla="*/ 247621 h 382112"/>
+              <a:gd name="connsiteX5" fmla="*/ 433687 w 604718"/>
+              <a:gd name="connsiteY5" fmla="*/ 208330 h 382112"/>
+              <a:gd name="connsiteX6" fmla="*/ 490825 w 604718"/>
+              <a:gd name="connsiteY6" fmla="*/ 208330 h 382112"/>
+              <a:gd name="connsiteX7" fmla="*/ 490825 w 604718"/>
+              <a:gd name="connsiteY7" fmla="*/ 271509 h 382112"/>
+              <a:gd name="connsiteX8" fmla="*/ 458400 w 604718"/>
+              <a:gd name="connsiteY8" fmla="*/ 320701 h 382112"/>
+              <a:gd name="connsiteX9" fmla="*/ 329326 w 604718"/>
+              <a:gd name="connsiteY9" fmla="*/ 376337 h 382112"/>
+              <a:gd name="connsiteX10" fmla="*/ 264632 w 604718"/>
+              <a:gd name="connsiteY10" fmla="*/ 376337 h 382112"/>
+              <a:gd name="connsiteX11" fmla="*/ 136819 w 604718"/>
+              <a:gd name="connsiteY11" fmla="*/ 320701 h 382112"/>
+              <a:gd name="connsiteX12" fmla="*/ 104550 w 604718"/>
+              <a:gd name="connsiteY12" fmla="*/ 271509 h 382112"/>
+              <a:gd name="connsiteX13" fmla="*/ 300973 w 604718"/>
+              <a:gd name="connsiteY13" fmla="*/ 5 h 382112"/>
+              <a:gd name="connsiteX14" fmla="*/ 334162 w 604718"/>
+              <a:gd name="connsiteY14" fmla="*/ 4701 h 382112"/>
+              <a:gd name="connsiteX15" fmla="*/ 581267 w 604718"/>
+              <a:gd name="connsiteY15" fmla="*/ 92552 h 382112"/>
+              <a:gd name="connsiteX16" fmla="*/ 588822 w 604718"/>
+              <a:gd name="connsiteY16" fmla="*/ 114398 h 382112"/>
+              <a:gd name="connsiteX17" fmla="*/ 589136 w 604718"/>
+              <a:gd name="connsiteY17" fmla="*/ 114398 h 382112"/>
+              <a:gd name="connsiteX18" fmla="*/ 589136 w 604718"/>
+              <a:gd name="connsiteY18" fmla="*/ 270771 h 382112"/>
+              <a:gd name="connsiteX19" fmla="*/ 604718 w 604718"/>
+              <a:gd name="connsiteY19" fmla="*/ 321376 h 382112"/>
+              <a:gd name="connsiteX20" fmla="*/ 561278 w 604718"/>
+              <a:gd name="connsiteY20" fmla="*/ 321376 h 382112"/>
+              <a:gd name="connsiteX21" fmla="*/ 576388 w 604718"/>
+              <a:gd name="connsiteY21" fmla="*/ 271242 h 382112"/>
+              <a:gd name="connsiteX22" fmla="*/ 576388 w 604718"/>
+              <a:gd name="connsiteY22" fmla="*/ 120370 h 382112"/>
+              <a:gd name="connsiteX23" fmla="*/ 333376 w 604718"/>
+              <a:gd name="connsiteY23" fmla="*/ 222680 h 382112"/>
+              <a:gd name="connsiteX24" fmla="*/ 268058 w 604718"/>
+              <a:gd name="connsiteY24" fmla="*/ 223780 h 382112"/>
+              <a:gd name="connsiteX25" fmla="*/ 13556 w 604718"/>
+              <a:gd name="connsiteY25" fmla="*/ 125870 h 382112"/>
+              <a:gd name="connsiteX26" fmla="*/ 13714 w 604718"/>
+              <a:gd name="connsiteY26" fmla="*/ 100882 h 382112"/>
+              <a:gd name="connsiteX27" fmla="*/ 267901 w 604718"/>
+              <a:gd name="connsiteY27" fmla="*/ 5329 h 382112"/>
+              <a:gd name="connsiteX28" fmla="*/ 300973 w 604718"/>
+              <a:gd name="connsiteY28" fmla="*/ 5 h 382112"/>
+            </a:gdLst>
+            <a:ahLst/>
+            <a:cxnLst>
+              <a:cxn ang="0">
+                <a:pos x="connsiteX0" y="connsiteY0"/>
+              </a:cxn>
+              <a:cxn ang="0">
+                <a:pos x="connsiteX1" y="connsiteY1"/>
+              </a:cxn>
+              <a:cxn ang="0">
+                <a:pos x="connsiteX2" y="connsiteY2"/>
+              </a:cxn>
+              <a:cxn ang="0">
+                <a:pos x="connsiteX3" y="connsiteY3"/>
+              </a:cxn>
+              <a:cxn ang="0">
+                <a:pos x="connsiteX4" y="connsiteY4"/>
+              </a:cxn>
+              <a:cxn ang="0">
+                <a:pos x="connsiteX5" y="connsiteY5"/>
+              </a:cxn>
+              <a:cxn ang="0">
+                <a:pos x="connsiteX6" y="connsiteY6"/>
+              </a:cxn>
+              <a:cxn ang="0">
+                <a:pos x="connsiteX7" y="connsiteY7"/>
+              </a:cxn>
+              <a:cxn ang="0">
+                <a:pos x="connsiteX8" y="connsiteY8"/>
+              </a:cxn>
+              <a:cxn ang="0">
+                <a:pos x="connsiteX9" y="connsiteY9"/>
+              </a:cxn>
+              <a:cxn ang="0">
+                <a:pos x="connsiteX10" y="connsiteY10"/>
+              </a:cxn>
+              <a:cxn ang="0">
+                <a:pos x="connsiteX11" y="connsiteY11"/>
+              </a:cxn>
+              <a:cxn ang="0">
+                <a:pos x="connsiteX12" y="connsiteY12"/>
+              </a:cxn>
+              <a:cxn ang="0">
+                <a:pos x="connsiteX13" y="connsiteY13"/>
+              </a:cxn>
+              <a:cxn ang="0">
+                <a:pos x="connsiteX14" y="connsiteY14"/>
+              </a:cxn>
+              <a:cxn ang="0">
+                <a:pos x="connsiteX15" y="connsiteY15"/>
+              </a:cxn>
+              <a:cxn ang="0">
+                <a:pos x="connsiteX16" y="connsiteY16"/>
+              </a:cxn>
+              <a:cxn ang="0">
+                <a:pos x="connsiteX17" y="connsiteY17"/>
+              </a:cxn>
+              <a:cxn ang="0">
+                <a:pos x="connsiteX18" y="connsiteY18"/>
+              </a:cxn>
+              <a:cxn ang="0">
+                <a:pos x="connsiteX19" y="connsiteY19"/>
+              </a:cxn>
+              <a:cxn ang="0">
+                <a:pos x="connsiteX20" y="connsiteY20"/>
+              </a:cxn>
+              <a:cxn ang="0">
+                <a:pos x="connsiteX21" y="connsiteY21"/>
+              </a:cxn>
+              <a:cxn ang="0">
+                <a:pos x="connsiteX22" y="connsiteY22"/>
+              </a:cxn>
+              <a:cxn ang="0">
+                <a:pos x="connsiteX23" y="connsiteY23"/>
+              </a:cxn>
+              <a:cxn ang="0">
+                <a:pos x="connsiteX24" y="connsiteY24"/>
+              </a:cxn>
+              <a:cxn ang="0">
+                <a:pos x="connsiteX25" y="connsiteY25"/>
+              </a:cxn>
+              <a:cxn ang="0">
+                <a:pos x="connsiteX26" y="connsiteY26"/>
+              </a:cxn>
+              <a:cxn ang="0">
+                <a:pos x="connsiteX27" y="connsiteY27"/>
+              </a:cxn>
+              <a:cxn ang="0">
+                <a:pos x="connsiteX28" y="connsiteY28"/>
+              </a:cxn>
+            </a:cxnLst>
+            <a:rect l="l" t="t" r="r" b="b"/>
+            <a:pathLst>
+              <a:path w="604718" h="382112">
+                <a:moveTo>
+                  <a:pt x="104550" y="208330"/>
+                </a:moveTo>
+                <a:lnTo>
+                  <a:pt x="156180" y="208330"/>
+                </a:lnTo>
+                <a:lnTo>
+                  <a:pt x="261642" y="248878"/>
+                </a:lnTo>
+                <a:cubicBezTo>
+                  <a:pt x="274864" y="253907"/>
+                  <a:pt x="289188" y="255007"/>
+                  <a:pt x="298947" y="255007"/>
+                </a:cubicBezTo>
+                <a:cubicBezTo>
+                  <a:pt x="314373" y="255007"/>
+                  <a:pt x="329012" y="252493"/>
+                  <a:pt x="340187" y="247621"/>
+                </a:cubicBezTo>
+                <a:lnTo>
+                  <a:pt x="433687" y="208330"/>
+                </a:lnTo>
+                <a:lnTo>
+                  <a:pt x="490825" y="208330"/>
+                </a:lnTo>
+                <a:lnTo>
+                  <a:pt x="490825" y="271509"/>
+                </a:lnTo>
+                <a:cubicBezTo>
+                  <a:pt x="490825" y="290998"/>
+                  <a:pt x="476344" y="313000"/>
+                  <a:pt x="458400" y="320701"/>
+                </a:cubicBezTo>
+                <a:lnTo>
+                  <a:pt x="329326" y="376337"/>
+                </a:lnTo>
+                <a:cubicBezTo>
+                  <a:pt x="311382" y="384038"/>
+                  <a:pt x="282419" y="384038"/>
+                  <a:pt x="264632" y="376337"/>
+                </a:cubicBezTo>
+                <a:lnTo>
+                  <a:pt x="136819" y="320701"/>
+                </a:lnTo>
+                <a:cubicBezTo>
+                  <a:pt x="119032" y="313000"/>
+                  <a:pt x="104550" y="290998"/>
+                  <a:pt x="104550" y="271509"/>
+                </a:cubicBezTo>
+                <a:close/>
+                <a:moveTo>
+                  <a:pt x="300973" y="5"/>
+                </a:moveTo>
+                <a:cubicBezTo>
+                  <a:pt x="312954" y="-93"/>
+                  <a:pt x="324955" y="1479"/>
+                  <a:pt x="334162" y="4701"/>
+                </a:cubicBezTo>
+                <a:lnTo>
+                  <a:pt x="581267" y="92552"/>
+                </a:lnTo>
+                <a:cubicBezTo>
+                  <a:pt x="596849" y="98053"/>
+                  <a:pt x="599210" y="107168"/>
+                  <a:pt x="588822" y="114398"/>
+                </a:cubicBezTo>
+                <a:lnTo>
+                  <a:pt x="589136" y="114398"/>
+                </a:lnTo>
+                <a:lnTo>
+                  <a:pt x="589136" y="270771"/>
+                </a:lnTo>
+                <a:lnTo>
+                  <a:pt x="604718" y="321376"/>
+                </a:lnTo>
+                <a:lnTo>
+                  <a:pt x="561278" y="321376"/>
+                </a:lnTo>
+                <a:lnTo>
+                  <a:pt x="576388" y="271242"/>
+                </a:lnTo>
+                <a:lnTo>
+                  <a:pt x="576388" y="120370"/>
+                </a:lnTo>
+                <a:lnTo>
+                  <a:pt x="333376" y="222680"/>
+                </a:lnTo>
+                <a:cubicBezTo>
+                  <a:pt x="315433" y="230224"/>
+                  <a:pt x="286158" y="230695"/>
+                  <a:pt x="268058" y="223780"/>
+                </a:cubicBezTo>
+                <a:lnTo>
+                  <a:pt x="13556" y="125870"/>
+                </a:lnTo>
+                <a:cubicBezTo>
+                  <a:pt x="-4544" y="118798"/>
+                  <a:pt x="-4544" y="107640"/>
+                  <a:pt x="13714" y="100882"/>
+                </a:cubicBezTo>
+                <a:lnTo>
+                  <a:pt x="267901" y="5329"/>
+                </a:lnTo>
+                <a:cubicBezTo>
+                  <a:pt x="277030" y="1872"/>
+                  <a:pt x="288991" y="104"/>
+                  <a:pt x="300973" y="5"/>
+                </a:cubicBezTo>
+                <a:close/>
+              </a:path>
+            </a:pathLst>
+          </a:custGeom>
+          <a:solidFill>
+            <a:schemeClr val="bg1"/>
+          </a:solidFill>
+          <a:ln w="31750">
+            <a:noFill/>
+          </a:ln>
+        </p:spPr>
+        <p:txBody>
+          <a:bodyPr/>
+          <a:lstStyle>
+            <a:defPPr>
+              <a:defRPr lang="zh-CN"/>
+            </a:defPPr>
+            <a:lvl1pPr marL="0" algn="l" defTabSz="914400" rtl="0" eaLnBrk="1" latinLnBrk="0" hangingPunct="1">
+              <a:defRPr sz="1800" kern="1200">
+                <a:solidFill>
+                  <a:schemeClr val="tx1"/>
+                </a:solidFill>
+                <a:latin typeface="+mn-lt"/>
+                <a:ea typeface="+mn-ea"/>
+                <a:cs typeface="+mn-cs"/>
+              </a:defRPr>
+            </a:lvl1pPr>
+            <a:lvl2pPr marL="457200" algn="l" defTabSz="914400" rtl="0" eaLnBrk="1" latinLnBrk="0" hangingPunct="1">
+              <a:defRPr sz="1800" kern="1200">
+                <a:solidFill>
+                  <a:schemeClr val="tx1"/>
+                </a:solidFill>
+                <a:latin typeface="+mn-lt"/>
+                <a:ea typeface="+mn-ea"/>
+                <a:cs typeface="+mn-cs"/>
+              </a:defRPr>
+            </a:lvl2pPr>
+            <a:lvl3pPr marL="914400" algn="l" defTabSz="914400" rtl="0" eaLnBrk="1" latinLnBrk="0" hangingPunct="1">
+              <a:defRPr sz="1800" kern="1200">
+                <a:solidFill>
+                  <a:schemeClr val="tx1"/>
+                </a:solidFill>
+                <a:latin typeface="+mn-lt"/>
+                <a:ea typeface="+mn-ea"/>
+                <a:cs typeface="+mn-cs"/>
+              </a:defRPr>
+            </a:lvl3pPr>
+            <a:lvl4pPr marL="1371600" algn="l" defTabSz="914400" rtl="0" eaLnBrk="1" latinLnBrk="0" hangingPunct="1">
+              <a:defRPr sz="1800" kern="1200">
+                <a:solidFill>
+                  <a:schemeClr val="tx1"/>
+                </a:solidFill>
+                <a:latin typeface="+mn-lt"/>
+                <a:ea typeface="+mn-ea"/>
+                <a:cs typeface="+mn-cs"/>
+              </a:defRPr>
+            </a:lvl4pPr>
+            <a:lvl5pPr marL="1828800" algn="l" defTabSz="914400" rtl="0" eaLnBrk="1" latinLnBrk="0" hangingPunct="1">
+              <a:defRPr sz="1800" kern="1200">
+                <a:solidFill>
+                  <a:schemeClr val="tx1"/>
+                </a:solidFill>
+                <a:latin typeface="+mn-lt"/>
+                <a:ea typeface="+mn-ea"/>
+                <a:cs typeface="+mn-cs"/>
+              </a:defRPr>
+            </a:lvl5pPr>
+            <a:lvl6pPr marL="2286000" algn="l" defTabSz="914400" rtl="0" eaLnBrk="1" latinLnBrk="0" hangingPunct="1">
+              <a:defRPr sz="1800" kern="1200">
+                <a:solidFill>
+                  <a:schemeClr val="tx1"/>
+                </a:solidFill>
+                <a:latin typeface="+mn-lt"/>
+                <a:ea typeface="+mn-ea"/>
+                <a:cs typeface="+mn-cs"/>
+              </a:defRPr>
+            </a:lvl6pPr>
+            <a:lvl7pPr marL="2743200" algn="l" defTabSz="914400" rtl="0" eaLnBrk="1" latinLnBrk="0" hangingPunct="1">
+              <a:defRPr sz="1800" kern="1200">
+                <a:solidFill>
+                  <a:schemeClr val="tx1"/>
+                </a:solidFill>
+                <a:latin typeface="+mn-lt"/>
+                <a:ea typeface="+mn-ea"/>
+                <a:cs typeface="+mn-cs"/>
+              </a:defRPr>
+            </a:lvl7pPr>
+            <a:lvl8pPr marL="3200400" algn="l" defTabSz="914400" rtl="0" eaLnBrk="1" latinLnBrk="0" hangingPunct="1">
+              <a:defRPr sz="1800" kern="1200">
+                <a:solidFill>
+                  <a:schemeClr val="tx1"/>
+                </a:solidFill>
+                <a:latin typeface="+mn-lt"/>
+                <a:ea typeface="+mn-ea"/>
+                <a:cs typeface="+mn-cs"/>
+              </a:defRPr>
+            </a:lvl8pPr>
+            <a:lvl9pPr marL="3657600" algn="l" defTabSz="914400" rtl="0" eaLnBrk="1" latinLnBrk="0" hangingPunct="1">
+              <a:defRPr sz="1800" kern="1200">
+                <a:solidFill>
+                  <a:schemeClr val="tx1"/>
+                </a:solidFill>
+                <a:latin typeface="+mn-lt"/>
+                <a:ea typeface="+mn-ea"/>
+                <a:cs typeface="+mn-cs"/>
+              </a:defRPr>
+            </a:lvl9pPr>
+          </a:lstStyle>
+          <a:p>
+            <a:pPr defTabSz="1219170">
+              <a:defRPr/>
+            </a:pPr>
+            <a:endParaRPr lang="zh-CN" altLang="en-US" sz="2400">
+              <a:solidFill>
+                <a:srgbClr val="30A081"/>
+              </a:solidFill>
+              <a:latin typeface="思源黑体" panose="020B0500000000000000" pitchFamily="34" charset="-122"/>
+              <a:ea typeface="思源黑体" panose="020B0500000000000000" pitchFamily="34" charset="-122"/>
+              <a:sym typeface="思源黑体" panose="020B0500000000000000" pitchFamily="34" charset="-122"/>
+            </a:endParaRPr>
+          </a:p>
+        </p:txBody>
+      </p:sp>
+    </p:spTree>
   </p:cSld>
   <p:clrMapOvr>
     <a:masterClrMapping/>
@@ -5099,7 +7083,10 @@
           <a:lstStyle/>
           <a:p>
             <a:r>
-              <a:rPr lang="zh-CN" altLang="en-US" dirty="0"/>
+              <a:rPr lang="zh-CN" altLang="en-US" b="1" dirty="0">
+                <a:latin typeface="微软雅黑" panose="020B0503020204020204" pitchFamily="34" charset="-122"/>
+                <a:ea typeface="微软雅黑" panose="020B0503020204020204" pitchFamily="34" charset="-122"/>
+              </a:rPr>
               <a:t>数据库设计</a:t>
             </a:r>
           </a:p>
@@ -5134,44 +7121,74 @@
           <a:lstStyle/>
           <a:p>
             <a:r>
-              <a:rPr lang="zh-CN" altLang="en-US" dirty="0"/>
+              <a:rPr lang="zh-CN" altLang="en-US" sz="3600" b="1" dirty="0">
+                <a:latin typeface="微软雅黑" panose="020B0503020204020204" pitchFamily="34" charset="-122"/>
+                <a:ea typeface="微软雅黑" panose="020B0503020204020204" pitchFamily="34" charset="-122"/>
+              </a:rPr>
               <a:t>需求</a:t>
             </a:r>
-            <a:endParaRPr lang="en-US" altLang="zh-CN" dirty="0"/>
-          </a:p>
-          <a:p>
-            <a:r>
-              <a:rPr lang="zh-CN" altLang="en-US" sz="2400" dirty="0"/>
+            <a:endParaRPr lang="en-US" altLang="zh-CN" sz="3600" b="1" dirty="0">
+              <a:latin typeface="微软雅黑" panose="020B0503020204020204" pitchFamily="34" charset="-122"/>
+              <a:ea typeface="微软雅黑" panose="020B0503020204020204" pitchFamily="34" charset="-122"/>
+            </a:endParaRPr>
+          </a:p>
+          <a:p>
+            <a:pPr lvl="1"/>
+            <a:r>
+              <a:rPr lang="zh-CN" altLang="en-US" sz="3200" dirty="0">
+                <a:latin typeface="微软雅黑" panose="020B0503020204020204" pitchFamily="34" charset="-122"/>
+                <a:ea typeface="微软雅黑" panose="020B0503020204020204" pitchFamily="34" charset="-122"/>
+              </a:rPr>
               <a:t>支持二手商品的发布、浏览与购买</a:t>
             </a:r>
           </a:p>
           <a:p>
-            <a:r>
-              <a:rPr lang="zh-CN" altLang="en-US" sz="2400" dirty="0"/>
+            <a:pPr lvl="1"/>
+            <a:r>
+              <a:rPr lang="zh-CN" altLang="en-US" sz="3200" dirty="0">
+                <a:latin typeface="微软雅黑" panose="020B0503020204020204" pitchFamily="34" charset="-122"/>
+                <a:ea typeface="微软雅黑" panose="020B0503020204020204" pitchFamily="34" charset="-122"/>
+              </a:rPr>
               <a:t>用户可上架、编辑和删除自己的商品</a:t>
             </a:r>
           </a:p>
           <a:p>
-            <a:r>
-              <a:rPr lang="zh-CN" altLang="en-US" sz="2400" dirty="0"/>
+            <a:pPr lvl="1"/>
+            <a:r>
+              <a:rPr lang="zh-CN" altLang="en-US" sz="3200" dirty="0">
+                <a:latin typeface="微软雅黑" panose="020B0503020204020204" pitchFamily="34" charset="-122"/>
+                <a:ea typeface="微软雅黑" panose="020B0503020204020204" pitchFamily="34" charset="-122"/>
+              </a:rPr>
               <a:t>商品支持图片上传、分类选择与信息描述</a:t>
             </a:r>
           </a:p>
           <a:p>
-            <a:r>
-              <a:rPr lang="zh-CN" altLang="en-US" sz="2400" dirty="0"/>
+            <a:pPr lvl="1"/>
+            <a:r>
+              <a:rPr lang="zh-CN" altLang="en-US" sz="3200" dirty="0">
+                <a:latin typeface="微软雅黑" panose="020B0503020204020204" pitchFamily="34" charset="-122"/>
+                <a:ea typeface="微软雅黑" panose="020B0503020204020204" pitchFamily="34" charset="-122"/>
+              </a:rPr>
               <a:t>提供分类筛选、关键词搜索和收藏功能</a:t>
             </a:r>
           </a:p>
           <a:p>
-            <a:r>
-              <a:rPr lang="zh-CN" altLang="en-US" sz="2400" dirty="0"/>
+            <a:pPr lvl="1"/>
+            <a:r>
+              <a:rPr lang="zh-CN" altLang="en-US" sz="3200" dirty="0">
+                <a:latin typeface="微软雅黑" panose="020B0503020204020204" pitchFamily="34" charset="-122"/>
+                <a:ea typeface="微软雅黑" panose="020B0503020204020204" pitchFamily="34" charset="-122"/>
+              </a:rPr>
               <a:t>支持商品评论与实时私信交流</a:t>
             </a:r>
           </a:p>
           <a:p>
-            <a:r>
-              <a:rPr lang="zh-CN" altLang="en-US" sz="2400" dirty="0"/>
+            <a:pPr lvl="1"/>
+            <a:r>
+              <a:rPr lang="zh-CN" altLang="en-US" sz="3200" dirty="0">
+                <a:latin typeface="微软雅黑" panose="020B0503020204020204" pitchFamily="34" charset="-122"/>
+                <a:ea typeface="微软雅黑" panose="020B0503020204020204" pitchFamily="34" charset="-122"/>
+              </a:rPr>
               <a:t>用户可维护个人信息与收藏夹</a:t>
             </a:r>
           </a:p>
@@ -5191,6 +7208,151 @@
 </file>
 
 <file path=ppt/slides/slide4.xml><?xml version="1.0" encoding="utf-8"?>
+<p:sld xmlns:a="http://schemas.openxmlformats.org/drawingml/2006/main" xmlns:r="http://schemas.openxmlformats.org/officeDocument/2006/relationships" xmlns:p="http://schemas.openxmlformats.org/presentationml/2006/main">
+  <p:cSld>
+    <p:spTree>
+      <p:nvGrpSpPr>
+        <p:cNvPr id="1" name="">
+          <a:extLst>
+            <a:ext uri="{FF2B5EF4-FFF2-40B4-BE49-F238E27FC236}">
+              <a16:creationId xmlns:a16="http://schemas.microsoft.com/office/drawing/2014/main" id="{D81AF176-A375-13D1-16A0-54D9A8FB0A64}"/>
+            </a:ext>
+          </a:extLst>
+        </p:cNvPr>
+        <p:cNvGrpSpPr/>
+        <p:nvPr/>
+      </p:nvGrpSpPr>
+      <p:grpSpPr>
+        <a:xfrm>
+          <a:off x="0" y="0"/>
+          <a:ext cx="0" cy="0"/>
+          <a:chOff x="0" y="0"/>
+          <a:chExt cx="0" cy="0"/>
+        </a:xfrm>
+      </p:grpSpPr>
+      <p:sp>
+        <p:nvSpPr>
+          <p:cNvPr id="2" name="标题 1">
+            <a:extLst>
+              <a:ext uri="{FF2B5EF4-FFF2-40B4-BE49-F238E27FC236}">
+                <a16:creationId xmlns:a16="http://schemas.microsoft.com/office/drawing/2014/main" id="{8AF294EF-18FF-23F0-37F8-9857AEA9D728}"/>
+              </a:ext>
+            </a:extLst>
+          </p:cNvPr>
+          <p:cNvSpPr>
+            <a:spLocks noGrp="1"/>
+          </p:cNvSpPr>
+          <p:nvPr>
+            <p:ph type="title"/>
+          </p:nvPr>
+        </p:nvSpPr>
+        <p:spPr/>
+        <p:txBody>
+          <a:bodyPr/>
+          <a:lstStyle/>
+          <a:p>
+            <a:r>
+              <a:rPr lang="zh-CN" altLang="en-US" b="1" dirty="0">
+                <a:latin typeface="微软雅黑" panose="020B0503020204020204" pitchFamily="34" charset="-122"/>
+                <a:ea typeface="微软雅黑" panose="020B0503020204020204" pitchFamily="34" charset="-122"/>
+              </a:rPr>
+              <a:t>数据库设计</a:t>
+            </a:r>
+          </a:p>
+        </p:txBody>
+      </p:sp>
+      <p:sp>
+        <p:nvSpPr>
+          <p:cNvPr id="3" name="内容占位符 2">
+            <a:extLst>
+              <a:ext uri="{FF2B5EF4-FFF2-40B4-BE49-F238E27FC236}">
+                <a16:creationId xmlns:a16="http://schemas.microsoft.com/office/drawing/2014/main" id="{18FAC7E4-CE14-B08F-2E13-5F6DB6F696E0}"/>
+              </a:ext>
+            </a:extLst>
+          </p:cNvPr>
+          <p:cNvSpPr>
+            <a:spLocks noGrp="1"/>
+          </p:cNvSpPr>
+          <p:nvPr>
+            <p:ph idx="1"/>
+          </p:nvPr>
+        </p:nvSpPr>
+        <p:spPr>
+          <a:xfrm>
+            <a:off x="791183" y="1426398"/>
+            <a:ext cx="10515600" cy="4351338"/>
+          </a:xfrm>
+        </p:spPr>
+        <p:txBody>
+          <a:bodyPr>
+            <a:normAutofit/>
+          </a:bodyPr>
+          <a:lstStyle/>
+          <a:p>
+            <a:r>
+              <a:rPr lang="zh-CN" altLang="en-US" sz="3600" b="1" dirty="0">
+                <a:latin typeface="微软雅黑" panose="020B0503020204020204" pitchFamily="34" charset="-122"/>
+                <a:ea typeface="微软雅黑" panose="020B0503020204020204" pitchFamily="34" charset="-122"/>
+              </a:rPr>
+              <a:t>核心功能总结</a:t>
+            </a:r>
+            <a:endParaRPr lang="en-US" altLang="zh-CN" sz="3600" b="1" dirty="0">
+              <a:latin typeface="微软雅黑" panose="020B0503020204020204" pitchFamily="34" charset="-122"/>
+              <a:ea typeface="微软雅黑" panose="020B0503020204020204" pitchFamily="34" charset="-122"/>
+            </a:endParaRPr>
+          </a:p>
+        </p:txBody>
+      </p:sp>
+      <p:pic>
+        <p:nvPicPr>
+          <p:cNvPr id="5" name="图片 4">
+            <a:extLst>
+              <a:ext uri="{FF2B5EF4-FFF2-40B4-BE49-F238E27FC236}">
+                <a16:creationId xmlns:a16="http://schemas.microsoft.com/office/drawing/2014/main" id="{B9F5B34F-B781-CD1D-9A40-B809A23E9837}"/>
+              </a:ext>
+            </a:extLst>
+          </p:cNvPr>
+          <p:cNvPicPr>
+            <a:picLocks noChangeAspect="1"/>
+          </p:cNvPicPr>
+          <p:nvPr/>
+        </p:nvPicPr>
+        <p:blipFill>
+          <a:blip r:embed="rId2">
+            <a:extLst>
+              <a:ext uri="{28A0092B-C50C-407E-A947-70E740481C1C}">
+                <a14:useLocalDpi xmlns:a14="http://schemas.microsoft.com/office/drawing/2010/main" val="0"/>
+              </a:ext>
+            </a:extLst>
+          </a:blip>
+          <a:stretch>
+            <a:fillRect/>
+          </a:stretch>
+        </p:blipFill>
+        <p:spPr>
+          <a:xfrm>
+            <a:off x="3980872" y="919301"/>
+            <a:ext cx="7383787" cy="5232117"/>
+          </a:xfrm>
+          <a:prstGeom prst="rect">
+            <a:avLst/>
+          </a:prstGeom>
+        </p:spPr>
+      </p:pic>
+    </p:spTree>
+    <p:extLst>
+      <p:ext uri="{BB962C8B-B14F-4D97-AF65-F5344CB8AC3E}">
+        <p14:creationId xmlns:p14="http://schemas.microsoft.com/office/powerpoint/2010/main" val="2723523422"/>
+      </p:ext>
+    </p:extLst>
+  </p:cSld>
+  <p:clrMapOvr>
+    <a:masterClrMapping/>
+  </p:clrMapOvr>
+</p:sld>
+</file>
+
+<file path=ppt/slides/slide5.xml><?xml version="1.0" encoding="utf-8"?>
 <p:sld xmlns:a="http://schemas.openxmlformats.org/drawingml/2006/main" xmlns:r="http://schemas.openxmlformats.org/officeDocument/2006/relationships" xmlns:p="http://schemas.openxmlformats.org/presentationml/2006/main">
   <p:cSld>
     <p:spTree>
@@ -5231,11 +7393,16 @@
         </p:nvSpPr>
         <p:spPr/>
         <p:txBody>
-          <a:bodyPr/>
-          <a:lstStyle/>
-          <a:p>
-            <a:r>
-              <a:rPr lang="zh-CN" altLang="en-US" dirty="0"/>
+          <a:bodyPr>
+            <a:normAutofit/>
+          </a:bodyPr>
+          <a:lstStyle/>
+          <a:p>
+            <a:r>
+              <a:rPr lang="zh-CN" altLang="en-US" b="1" dirty="0">
+                <a:latin typeface="微软雅黑" panose="020B0503020204020204" pitchFamily="34" charset="-122"/>
+                <a:ea typeface="微软雅黑" panose="020B0503020204020204" pitchFamily="34" charset="-122"/>
+              </a:rPr>
               <a:t>数据库设计</a:t>
             </a:r>
           </a:p>
@@ -5320,7 +7487,7 @@
 </p:sld>
 </file>
 
-<file path=ppt/slides/slide5.xml><?xml version="1.0" encoding="utf-8"?>
+<file path=ppt/slides/slide6.xml><?xml version="1.0" encoding="utf-8"?>
 <p:sld xmlns:a="http://schemas.openxmlformats.org/drawingml/2006/main" xmlns:r="http://schemas.openxmlformats.org/officeDocument/2006/relationships" xmlns:p="http://schemas.openxmlformats.org/presentationml/2006/main">
   <p:cSld>
     <p:spTree>
@@ -5361,11 +7528,16 @@
         </p:nvSpPr>
         <p:spPr/>
         <p:txBody>
-          <a:bodyPr/>
-          <a:lstStyle/>
-          <a:p>
-            <a:r>
-              <a:rPr lang="zh-CN" altLang="en-US" dirty="0"/>
+          <a:bodyPr>
+            <a:normAutofit/>
+          </a:bodyPr>
+          <a:lstStyle/>
+          <a:p>
+            <a:r>
+              <a:rPr lang="zh-CN" altLang="en-US" b="1" dirty="0">
+                <a:latin typeface="微软雅黑" panose="020B0503020204020204" pitchFamily="34" charset="-122"/>
+                <a:ea typeface="微软雅黑" panose="020B0503020204020204" pitchFamily="34" charset="-122"/>
+              </a:rPr>
               <a:t>数据库设计</a:t>
             </a:r>
           </a:p>
@@ -5445,7 +7617,7 @@
 </p:sld>
 </file>
 
-<file path=ppt/slides/slide6.xml><?xml version="1.0" encoding="utf-8"?>
+<file path=ppt/slides/slide7.xml><?xml version="1.0" encoding="utf-8"?>
 <p:sld xmlns:a="http://schemas.openxmlformats.org/drawingml/2006/main" xmlns:r="http://schemas.openxmlformats.org/officeDocument/2006/relationships" xmlns:p="http://schemas.openxmlformats.org/presentationml/2006/main">
   <p:cSld>
     <p:spTree>
@@ -5484,13 +7656,23 @@
             <p:ph type="title"/>
           </p:nvPr>
         </p:nvSpPr>
-        <p:spPr/>
-        <p:txBody>
-          <a:bodyPr/>
-          <a:lstStyle/>
-          <a:p>
-            <a:r>
-              <a:rPr lang="zh-CN" altLang="en-US" dirty="0"/>
+        <p:spPr>
+          <a:xfrm>
+            <a:off x="390087" y="0"/>
+            <a:ext cx="10515600" cy="1325563"/>
+          </a:xfrm>
+        </p:spPr>
+        <p:txBody>
+          <a:bodyPr>
+            <a:normAutofit/>
+          </a:bodyPr>
+          <a:lstStyle/>
+          <a:p>
+            <a:r>
+              <a:rPr lang="zh-CN" altLang="en-US" b="1" dirty="0">
+                <a:latin typeface="微软雅黑" panose="020B0503020204020204" pitchFamily="34" charset="-122"/>
+                <a:ea typeface="微软雅黑" panose="020B0503020204020204" pitchFamily="34" charset="-122"/>
+              </a:rPr>
               <a:t>系统架构</a:t>
             </a:r>
           </a:p>
@@ -5923,8 +8105,8 @@
         </p:nvSpPr>
         <p:spPr>
           <a:xfrm>
-            <a:off x="408562" y="1583682"/>
-            <a:ext cx="4484449" cy="3693319"/>
+            <a:off x="333346" y="1019758"/>
+            <a:ext cx="5125492" cy="5570756"/>
           </a:xfrm>
           <a:prstGeom prst="rect">
             <a:avLst/>
@@ -5938,22 +8120,31 @@
           <a:lstStyle/>
           <a:p>
             <a:r>
-              <a:rPr lang="zh-CN" altLang="en-US" b="1" dirty="0"/>
+              <a:rPr lang="zh-CN" altLang="en-US" sz="3200" b="1" dirty="0"/>
               <a:t>前端层</a:t>
             </a:r>
-            <a:endParaRPr lang="en-US" altLang="zh-CN" dirty="0"/>
-          </a:p>
-          <a:p>
-            <a:r>
-              <a:rPr lang="zh-CN" altLang="en-US" dirty="0"/>
+            <a:endParaRPr lang="en-US" altLang="zh-CN" sz="3200" dirty="0"/>
+          </a:p>
+          <a:p>
+            <a:r>
+              <a:rPr lang="zh-CN" altLang="en-US" sz="2400" dirty="0">
+                <a:latin typeface="微软雅黑" panose="020B0503020204020204" pitchFamily="34" charset="-122"/>
+                <a:ea typeface="微软雅黑" panose="020B0503020204020204" pitchFamily="34" charset="-122"/>
+              </a:rPr>
               <a:t>使用 </a:t>
             </a:r>
             <a:r>
-              <a:rPr lang="en-US" altLang="zh-CN" b="1" dirty="0"/>
+              <a:rPr lang="en-US" altLang="zh-CN" sz="2400" b="1" dirty="0">
+                <a:latin typeface="微软雅黑" panose="020B0503020204020204" pitchFamily="34" charset="-122"/>
+                <a:ea typeface="微软雅黑" panose="020B0503020204020204" pitchFamily="34" charset="-122"/>
+              </a:rPr>
               <a:t>Vue 3</a:t>
             </a:r>
             <a:r>
-              <a:rPr lang="zh-CN" altLang="en-US" dirty="0"/>
+              <a:rPr lang="zh-CN" altLang="en-US" sz="2400" dirty="0">
+                <a:latin typeface="微软雅黑" panose="020B0503020204020204" pitchFamily="34" charset="-122"/>
+                <a:ea typeface="微软雅黑" panose="020B0503020204020204" pitchFamily="34" charset="-122"/>
+              </a:rPr>
               <a:t> 构建应用</a:t>
             </a:r>
           </a:p>
@@ -5962,45 +8153,87 @@
           </a:p>
           <a:p>
             <a:r>
-              <a:rPr lang="zh-CN" altLang="en-US" b="1" dirty="0"/>
+              <a:rPr lang="zh-CN" altLang="en-US" sz="3200" b="1" dirty="0"/>
               <a:t>后端层</a:t>
             </a:r>
-            <a:endParaRPr lang="en-US" altLang="zh-CN" dirty="0"/>
-          </a:p>
-          <a:p>
-            <a:r>
-              <a:rPr lang="zh-CN" altLang="en-US" dirty="0"/>
+            <a:endParaRPr lang="en-US" altLang="zh-CN" sz="3200" b="1" dirty="0"/>
+          </a:p>
+          <a:p>
+            <a:r>
+              <a:rPr lang="zh-CN" altLang="en-US" sz="3200" dirty="0"/>
+              <a:t>基于</a:t>
+            </a:r>
+            <a:r>
+              <a:rPr lang="en-GB" altLang="zh-CN" sz="3200" b="1" dirty="0"/>
+              <a:t>Python Flask</a:t>
+            </a:r>
+            <a:r>
+              <a:rPr lang="zh-CN" altLang="en-US" sz="3200" dirty="0"/>
+              <a:t>框架开发</a:t>
+            </a:r>
+            <a:endParaRPr lang="en-US" altLang="zh-CN" sz="3200" b="1" dirty="0"/>
+          </a:p>
+          <a:p>
+            <a:r>
+              <a:rPr lang="zh-CN" altLang="en-US" sz="2400" dirty="0">
+                <a:latin typeface="微软雅黑" panose="020B0503020204020204" pitchFamily="34" charset="-122"/>
+                <a:ea typeface="微软雅黑" panose="020B0503020204020204" pitchFamily="34" charset="-122"/>
+              </a:rPr>
               <a:t>用户管理</a:t>
             </a:r>
-            <a:endParaRPr lang="en-US" altLang="zh-CN" dirty="0"/>
-          </a:p>
-          <a:p>
-            <a:r>
-              <a:rPr lang="zh-CN" altLang="en-US" dirty="0"/>
+            <a:endParaRPr lang="en-US" altLang="zh-CN" sz="2400" dirty="0">
+              <a:latin typeface="微软雅黑" panose="020B0503020204020204" pitchFamily="34" charset="-122"/>
+              <a:ea typeface="微软雅黑" panose="020B0503020204020204" pitchFamily="34" charset="-122"/>
+            </a:endParaRPr>
+          </a:p>
+          <a:p>
+            <a:r>
+              <a:rPr lang="zh-CN" altLang="en-US" sz="2400" dirty="0">
+                <a:latin typeface="微软雅黑" panose="020B0503020204020204" pitchFamily="34" charset="-122"/>
+                <a:ea typeface="微软雅黑" panose="020B0503020204020204" pitchFamily="34" charset="-122"/>
+              </a:rPr>
               <a:t>商品上架 </a:t>
             </a:r>
             <a:r>
-              <a:rPr lang="en-US" altLang="zh-CN" dirty="0"/>
+              <a:rPr lang="en-US" altLang="zh-CN" sz="2400" dirty="0">
+                <a:latin typeface="微软雅黑" panose="020B0503020204020204" pitchFamily="34" charset="-122"/>
+                <a:ea typeface="微软雅黑" panose="020B0503020204020204" pitchFamily="34" charset="-122"/>
+              </a:rPr>
               <a:t>/ </a:t>
             </a:r>
             <a:r>
-              <a:rPr lang="zh-CN" altLang="en-US" dirty="0"/>
+              <a:rPr lang="zh-CN" altLang="en-US" sz="2400" dirty="0">
+                <a:latin typeface="微软雅黑" panose="020B0503020204020204" pitchFamily="34" charset="-122"/>
+                <a:ea typeface="微软雅黑" panose="020B0503020204020204" pitchFamily="34" charset="-122"/>
+              </a:rPr>
               <a:t>浏览 </a:t>
             </a:r>
             <a:r>
-              <a:rPr lang="en-US" altLang="zh-CN" dirty="0"/>
+              <a:rPr lang="en-US" altLang="zh-CN" sz="2400" dirty="0">
+                <a:latin typeface="微软雅黑" panose="020B0503020204020204" pitchFamily="34" charset="-122"/>
+                <a:ea typeface="微软雅黑" panose="020B0503020204020204" pitchFamily="34" charset="-122"/>
+              </a:rPr>
               <a:t>/ </a:t>
             </a:r>
             <a:r>
-              <a:rPr lang="zh-CN" altLang="en-US" dirty="0"/>
+              <a:rPr lang="zh-CN" altLang="en-US" sz="2400" dirty="0">
+                <a:latin typeface="微软雅黑" panose="020B0503020204020204" pitchFamily="34" charset="-122"/>
+                <a:ea typeface="微软雅黑" panose="020B0503020204020204" pitchFamily="34" charset="-122"/>
+              </a:rPr>
               <a:t>收藏</a:t>
             </a:r>
             <a:r>
-              <a:rPr lang="en-US" altLang="zh-CN" dirty="0"/>
+              <a:rPr lang="en-US" altLang="zh-CN" sz="2400" dirty="0">
+                <a:latin typeface="微软雅黑" panose="020B0503020204020204" pitchFamily="34" charset="-122"/>
+                <a:ea typeface="微软雅黑" panose="020B0503020204020204" pitchFamily="34" charset="-122"/>
+              </a:rPr>
               <a:t>/</a:t>
             </a:r>
             <a:r>
-              <a:rPr lang="zh-CN" altLang="en-US" dirty="0"/>
+              <a:rPr lang="zh-CN" altLang="en-US" sz="2400" dirty="0">
+                <a:latin typeface="微软雅黑" panose="020B0503020204020204" pitchFamily="34" charset="-122"/>
+                <a:ea typeface="微软雅黑" panose="020B0503020204020204" pitchFamily="34" charset="-122"/>
+              </a:rPr>
               <a:t>评论与私信功能</a:t>
             </a:r>
           </a:p>
@@ -6009,38 +8242,53 @@
           </a:p>
           <a:p>
             <a:r>
-              <a:rPr lang="zh-CN" altLang="en-US" b="1" dirty="0"/>
+              <a:rPr lang="zh-CN" altLang="en-US" sz="3200" b="1" dirty="0"/>
               <a:t>数据层</a:t>
             </a:r>
-            <a:endParaRPr lang="en-US" altLang="zh-CN" b="1" dirty="0"/>
-          </a:p>
-          <a:p>
-            <a:r>
-              <a:rPr lang="zh-CN" altLang="en-US" dirty="0"/>
+            <a:endParaRPr lang="en-US" altLang="zh-CN" sz="3200" b="1" dirty="0"/>
+          </a:p>
+          <a:p>
+            <a:r>
+              <a:rPr lang="zh-CN" altLang="en-US" sz="2400" dirty="0">
+                <a:latin typeface="微软雅黑" panose="020B0503020204020204" pitchFamily="34" charset="-122"/>
+                <a:ea typeface="微软雅黑" panose="020B0503020204020204" pitchFamily="34" charset="-122"/>
+              </a:rPr>
               <a:t>存储平台核心数据</a:t>
             </a:r>
           </a:p>
           <a:p>
             <a:r>
-              <a:rPr lang="zh-CN" altLang="en-US" dirty="0"/>
+              <a:rPr lang="zh-CN" altLang="en-US" sz="2400" dirty="0">
+                <a:latin typeface="微软雅黑" panose="020B0503020204020204" pitchFamily="34" charset="-122"/>
+                <a:ea typeface="微软雅黑" panose="020B0503020204020204" pitchFamily="34" charset="-122"/>
+              </a:rPr>
               <a:t>包括用户信息、商品信息、收藏夹、评论和聊天记录</a:t>
             </a:r>
-            <a:endParaRPr lang="en-US" altLang="zh-CN" dirty="0"/>
-          </a:p>
-          <a:p>
-            <a:endParaRPr lang="en-US" altLang="zh-CN" dirty="0"/>
-          </a:p>
-          <a:p>
-            <a:r>
-              <a:rPr lang="zh-CN" altLang="en-US" dirty="0"/>
+            <a:endParaRPr lang="en-US" altLang="zh-CN" sz="2400" dirty="0">
+              <a:latin typeface="微软雅黑" panose="020B0503020204020204" pitchFamily="34" charset="-122"/>
+              <a:ea typeface="微软雅黑" panose="020B0503020204020204" pitchFamily="34" charset="-122"/>
+            </a:endParaRPr>
+          </a:p>
+          <a:p>
+            <a:r>
+              <a:rPr lang="zh-CN" altLang="en-US" sz="2400" dirty="0">
+                <a:latin typeface="微软雅黑" panose="020B0503020204020204" pitchFamily="34" charset="-122"/>
+                <a:ea typeface="微软雅黑" panose="020B0503020204020204" pitchFamily="34" charset="-122"/>
+              </a:rPr>
               <a:t>执行</a:t>
             </a:r>
             <a:r>
-              <a:rPr lang="en-US" altLang="zh-CN" dirty="0" err="1"/>
+              <a:rPr lang="en-US" altLang="zh-CN" sz="2400" dirty="0" err="1">
+                <a:latin typeface="微软雅黑" panose="020B0503020204020204" pitchFamily="34" charset="-122"/>
+                <a:ea typeface="微软雅黑" panose="020B0503020204020204" pitchFamily="34" charset="-122"/>
+              </a:rPr>
               <a:t>sql</a:t>
             </a:r>
             <a:r>
-              <a:rPr lang="zh-CN" altLang="en-US" dirty="0"/>
+              <a:rPr lang="zh-CN" altLang="en-US" sz="2400" dirty="0">
+                <a:latin typeface="微软雅黑" panose="020B0503020204020204" pitchFamily="34" charset="-122"/>
+                <a:ea typeface="微软雅黑" panose="020B0503020204020204" pitchFamily="34" charset="-122"/>
+              </a:rPr>
               <a:t>语句进行数据库操作</a:t>
             </a:r>
           </a:p>
@@ -6059,7 +8307,7 @@
 </p:sld>
 </file>
 
-<file path=ppt/slides/slide7.xml><?xml version="1.0" encoding="utf-8"?>
+<file path=ppt/slides/slide8.xml><?xml version="1.0" encoding="utf-8"?>
 <p:sld xmlns:a="http://schemas.openxmlformats.org/drawingml/2006/main" xmlns:r="http://schemas.openxmlformats.org/officeDocument/2006/relationships" xmlns:p="http://schemas.openxmlformats.org/presentationml/2006/main">
   <p:cSld>
     <p:spTree>
@@ -6100,11 +8348,16 @@
         </p:nvSpPr>
         <p:spPr/>
         <p:txBody>
-          <a:bodyPr/>
-          <a:lstStyle/>
-          <a:p>
-            <a:r>
-              <a:rPr lang="zh-CN" altLang="en-US" dirty="0"/>
+          <a:bodyPr>
+            <a:normAutofit/>
+          </a:bodyPr>
+          <a:lstStyle/>
+          <a:p>
+            <a:r>
+              <a:rPr lang="zh-CN" altLang="en-US" b="1" dirty="0">
+                <a:latin typeface="微软雅黑" panose="020B0503020204020204" pitchFamily="34" charset="-122"/>
+                <a:ea typeface="微软雅黑" panose="020B0503020204020204" pitchFamily="34" charset="-122"/>
+              </a:rPr>
               <a:t>前端</a:t>
             </a:r>
           </a:p>
@@ -6124,8 +8377,8 @@
         </p:nvSpPr>
         <p:spPr>
           <a:xfrm>
-            <a:off x="916021" y="1690688"/>
-            <a:ext cx="2654030" cy="3416320"/>
+            <a:off x="916020" y="1690688"/>
+            <a:ext cx="3803761" cy="3970318"/>
           </a:xfrm>
           <a:prstGeom prst="rect">
             <a:avLst/>
@@ -6139,13 +8392,16 @@
           <a:lstStyle/>
           <a:p>
             <a:r>
-              <a:rPr lang="zh-CN" altLang="en-US" b="1" dirty="0"/>
+              <a:rPr lang="zh-CN" altLang="en-US" sz="2400" b="1" dirty="0"/>
               <a:t>登录</a:t>
             </a:r>
             <a:r>
-              <a:rPr lang="zh-CN" altLang="en-US" dirty="0"/>
+              <a:rPr lang="zh-CN" altLang="en-US" sz="2400" dirty="0"/>
               <a:t> ：用户输入用户名和密码登录</a:t>
             </a:r>
+            <a:endParaRPr lang="en-US" altLang="zh-CN" sz="2400" dirty="0"/>
+          </a:p>
+          <a:p>
             <a:endParaRPr lang="en-US" altLang="zh-CN" dirty="0"/>
           </a:p>
           <a:p>
@@ -6155,35 +8411,32 @@
             <a:endParaRPr lang="en-US" altLang="zh-CN" dirty="0"/>
           </a:p>
           <a:p>
+            <a:r>
+              <a:rPr lang="zh-CN" altLang="en-US" sz="2400" b="1" dirty="0"/>
+              <a:t>注册</a:t>
+            </a:r>
+            <a:r>
+              <a:rPr lang="zh-CN" altLang="en-US" sz="2400" dirty="0"/>
+              <a:t>：用户输入用户名和密码登录</a:t>
+            </a:r>
+            <a:endParaRPr lang="en-US" altLang="zh-CN" sz="2400" dirty="0"/>
+          </a:p>
+          <a:p>
             <a:endParaRPr lang="en-US" altLang="zh-CN" dirty="0"/>
           </a:p>
           <a:p>
-            <a:r>
-              <a:rPr lang="zh-CN" altLang="en-US" b="1" dirty="0"/>
-              <a:t>注册</a:t>
-            </a:r>
-            <a:r>
-              <a:rPr lang="zh-CN" altLang="en-US" dirty="0"/>
-              <a:t>：用户输入用户名和密码登录</a:t>
-            </a:r>
             <a:endParaRPr lang="en-US" altLang="zh-CN" dirty="0"/>
           </a:p>
           <a:p>
-            <a:endParaRPr lang="en-US" altLang="zh-CN" dirty="0"/>
-          </a:p>
-          <a:p>
-            <a:endParaRPr lang="en-US" altLang="zh-CN" dirty="0"/>
-          </a:p>
-          <a:p>
-            <a:r>
-              <a:rPr lang="zh-CN" altLang="en-US" b="1" dirty="0"/>
+            <a:r>
+              <a:rPr lang="zh-CN" altLang="en-US" sz="2400" b="1" dirty="0"/>
               <a:t>个人资料设置</a:t>
             </a:r>
             <a:r>
-              <a:rPr lang="zh-CN" altLang="en-US" dirty="0"/>
+              <a:rPr lang="zh-CN" altLang="en-US" sz="2400" dirty="0"/>
               <a:t>：自由设置自己的个人资料</a:t>
             </a:r>
-            <a:endParaRPr lang="en-US" altLang="zh-CN" dirty="0"/>
+            <a:endParaRPr lang="en-US" altLang="zh-CN" sz="2400" dirty="0"/>
           </a:p>
           <a:p>
             <a:endParaRPr lang="zh-CN" altLang="en-US" dirty="0"/>
@@ -6263,7 +8516,7 @@
 </p:sld>
 </file>
 
-<file path=ppt/slides/slide8.xml><?xml version="1.0" encoding="utf-8"?>
+<file path=ppt/slides/slide9.xml><?xml version="1.0" encoding="utf-8"?>
 <p:sld xmlns:a="http://schemas.openxmlformats.org/drawingml/2006/main" xmlns:r="http://schemas.openxmlformats.org/officeDocument/2006/relationships" xmlns:p="http://schemas.openxmlformats.org/presentationml/2006/main">
   <p:cSld>
     <p:spTree>
@@ -6304,11 +8557,16 @@
         </p:nvSpPr>
         <p:spPr/>
         <p:txBody>
-          <a:bodyPr/>
-          <a:lstStyle/>
-          <a:p>
-            <a:r>
-              <a:rPr lang="zh-CN" altLang="en-US" dirty="0"/>
+          <a:bodyPr>
+            <a:normAutofit/>
+          </a:bodyPr>
+          <a:lstStyle/>
+          <a:p>
+            <a:r>
+              <a:rPr lang="zh-CN" altLang="en-US" b="1" dirty="0">
+                <a:latin typeface="微软雅黑" panose="020B0503020204020204" pitchFamily="34" charset="-122"/>
+                <a:ea typeface="微软雅黑" panose="020B0503020204020204" pitchFamily="34" charset="-122"/>
+              </a:rPr>
               <a:t>前端</a:t>
             </a:r>
           </a:p>
@@ -6329,7 +8587,7 @@
         <p:spPr>
           <a:xfrm>
             <a:off x="838200" y="1690688"/>
-            <a:ext cx="2654030" cy="923330"/>
+            <a:ext cx="2654030" cy="1569660"/>
           </a:xfrm>
           <a:prstGeom prst="rect">
             <a:avLst/>
@@ -6343,11 +8601,11 @@
           <a:lstStyle/>
           <a:p>
             <a:r>
-              <a:rPr lang="zh-CN" altLang="en-US" b="1" dirty="0"/>
+              <a:rPr lang="zh-CN" altLang="en-US" sz="2400" b="1" dirty="0"/>
               <a:t>主页：</a:t>
             </a:r>
             <a:r>
-              <a:rPr lang="zh-CN" altLang="en-US" dirty="0"/>
+              <a:rPr lang="zh-CN" altLang="en-US" sz="2400" dirty="0"/>
               <a:t>用户可以在此浏览所有商品和操作自己发布的商品</a:t>
             </a:r>
           </a:p>
@@ -6387,139 +8645,6 @@
     <p:extLst>
       <p:ext uri="{BB962C8B-B14F-4D97-AF65-F5344CB8AC3E}">
         <p14:creationId xmlns:p14="http://schemas.microsoft.com/office/powerpoint/2010/main" val="2482309101"/>
-      </p:ext>
-    </p:extLst>
-  </p:cSld>
-  <p:clrMapOvr>
-    <a:masterClrMapping/>
-  </p:clrMapOvr>
-</p:sld>
-</file>
-
-<file path=ppt/slides/slide9.xml><?xml version="1.0" encoding="utf-8"?>
-<p:sld xmlns:a="http://schemas.openxmlformats.org/drawingml/2006/main" xmlns:r="http://schemas.openxmlformats.org/officeDocument/2006/relationships" xmlns:p="http://schemas.openxmlformats.org/presentationml/2006/main">
-  <p:cSld>
-    <p:spTree>
-      <p:nvGrpSpPr>
-        <p:cNvPr id="1" name="">
-          <a:extLst>
-            <a:ext uri="{FF2B5EF4-FFF2-40B4-BE49-F238E27FC236}">
-              <a16:creationId xmlns:a16="http://schemas.microsoft.com/office/drawing/2014/main" id="{4FB1D8FF-E3E8-6FC0-2EA5-823FD705D6B8}"/>
-            </a:ext>
-          </a:extLst>
-        </p:cNvPr>
-        <p:cNvGrpSpPr/>
-        <p:nvPr/>
-      </p:nvGrpSpPr>
-      <p:grpSpPr>
-        <a:xfrm>
-          <a:off x="0" y="0"/>
-          <a:ext cx="0" cy="0"/>
-          <a:chOff x="0" y="0"/>
-          <a:chExt cx="0" cy="0"/>
-        </a:xfrm>
-      </p:grpSpPr>
-      <p:sp>
-        <p:nvSpPr>
-          <p:cNvPr id="2" name="标题 1">
-            <a:extLst>
-              <a:ext uri="{FF2B5EF4-FFF2-40B4-BE49-F238E27FC236}">
-                <a16:creationId xmlns:a16="http://schemas.microsoft.com/office/drawing/2014/main" id="{948B0BB2-B15A-053E-A171-BCACCF8BCE3E}"/>
-              </a:ext>
-            </a:extLst>
-          </p:cNvPr>
-          <p:cNvSpPr>
-            <a:spLocks noGrp="1"/>
-          </p:cNvSpPr>
-          <p:nvPr>
-            <p:ph type="title"/>
-          </p:nvPr>
-        </p:nvSpPr>
-        <p:spPr/>
-        <p:txBody>
-          <a:bodyPr/>
-          <a:lstStyle/>
-          <a:p>
-            <a:r>
-              <a:rPr lang="zh-CN" altLang="en-US" dirty="0"/>
-              <a:t>前端</a:t>
-            </a:r>
-          </a:p>
-        </p:txBody>
-      </p:sp>
-      <p:sp>
-        <p:nvSpPr>
-          <p:cNvPr id="3" name="文本框 2">
-            <a:extLst>
-              <a:ext uri="{FF2B5EF4-FFF2-40B4-BE49-F238E27FC236}">
-                <a16:creationId xmlns:a16="http://schemas.microsoft.com/office/drawing/2014/main" id="{0A7F50B6-908B-95EF-8F58-3235F7E19800}"/>
-              </a:ext>
-            </a:extLst>
-          </p:cNvPr>
-          <p:cNvSpPr txBox="1"/>
-          <p:nvPr/>
-        </p:nvSpPr>
-        <p:spPr>
-          <a:xfrm>
-            <a:off x="838200" y="1690688"/>
-            <a:ext cx="2654030" cy="923330"/>
-          </a:xfrm>
-          <a:prstGeom prst="rect">
-            <a:avLst/>
-          </a:prstGeom>
-          <a:noFill/>
-        </p:spPr>
-        <p:txBody>
-          <a:bodyPr wrap="square" rtlCol="0">
-            <a:spAutoFit/>
-          </a:bodyPr>
-          <a:lstStyle/>
-          <a:p>
-            <a:r>
-              <a:rPr lang="zh-CN" altLang="en-US" b="1" dirty="0"/>
-              <a:t>商品发布和修改：</a:t>
-            </a:r>
-            <a:r>
-              <a:rPr lang="zh-CN" altLang="en-US" dirty="0"/>
-              <a:t>用户可以在此填写商品信息，上传图片等等</a:t>
-            </a:r>
-          </a:p>
-        </p:txBody>
-      </p:sp>
-      <p:pic>
-        <p:nvPicPr>
-          <p:cNvPr id="6" name="图片 5" descr="图形用户界面, 应用程序&#10;&#10;AI 生成的内容可能不正确。">
-            <a:extLst>
-              <a:ext uri="{FF2B5EF4-FFF2-40B4-BE49-F238E27FC236}">
-                <a16:creationId xmlns:a16="http://schemas.microsoft.com/office/drawing/2014/main" id="{B62DDF55-5DD8-E33D-A80D-F220CB44BFD1}"/>
-              </a:ext>
-            </a:extLst>
-          </p:cNvPr>
-          <p:cNvPicPr>
-            <a:picLocks noChangeAspect="1"/>
-          </p:cNvPicPr>
-          <p:nvPr/>
-        </p:nvPicPr>
-        <p:blipFill>
-          <a:blip r:embed="rId2"/>
-          <a:stretch>
-            <a:fillRect/>
-          </a:stretch>
-        </p:blipFill>
-        <p:spPr>
-          <a:xfrm>
-            <a:off x="6280931" y="398690"/>
-            <a:ext cx="5326363" cy="6060619"/>
-          </a:xfrm>
-          <a:prstGeom prst="rect">
-            <a:avLst/>
-          </a:prstGeom>
-        </p:spPr>
-      </p:pic>
-    </p:spTree>
-    <p:extLst>
-      <p:ext uri="{BB962C8B-B14F-4D97-AF65-F5344CB8AC3E}">
-        <p14:creationId xmlns:p14="http://schemas.microsoft.com/office/powerpoint/2010/main" val="1499834704"/>
       </p:ext>
     </p:extLst>
   </p:cSld>
